--- a/picture/要求工学.pptx
+++ b/picture/要求工学.pptx
@@ -12,8 +12,8 @@
     <p:sldId id="257" r:id="rId3"/>
     <p:sldId id="259" r:id="rId4"/>
     <p:sldId id="260" r:id="rId5"/>
-    <p:sldId id="261" r:id="rId6"/>
-    <p:sldId id="262" r:id="rId7"/>
+    <p:sldId id="262" r:id="rId6"/>
+    <p:sldId id="261" r:id="rId7"/>
   </p:sldIdLst>
   <p:sldSz cx="12192000" cy="6858000"/>
   <p:notesSz cx="6858000" cy="9144000"/>
@@ -112,6 +112,11 @@
       </a:defRPr>
     </a:lvl9pPr>
   </p:defaultTextStyle>
+  <p:extLst>
+    <p:ext uri="{EFAFB233-063F-42B5-8137-9DF3F51BA10A}">
+      <p15:sldGuideLst xmlns:p15="http://schemas.microsoft.com/office/powerpoint/2012/main"/>
+    </p:ext>
+  </p:extLst>
 </p:presentation>
 </file>
 
@@ -203,6 +208,11 @@
               </a:ln>
               <a:effectLst/>
             </c:spPr>
+            <c:extLst>
+              <c:ext xmlns:c16="http://schemas.microsoft.com/office/drawing/2014/chart" uri="{C3380CC4-5D6E-409C-BE32-E72D297353CC}">
+                <c16:uniqueId val="{00000001-7887-D841-BC87-C7C2FD80211B}"/>
+              </c:ext>
+            </c:extLst>
           </c:dPt>
           <c:dPt>
             <c:idx val="1"/>
@@ -218,6 +228,11 @@
               </a:ln>
               <a:effectLst/>
             </c:spPr>
+            <c:extLst>
+              <c:ext xmlns:c16="http://schemas.microsoft.com/office/drawing/2014/chart" uri="{C3380CC4-5D6E-409C-BE32-E72D297353CC}">
+                <c16:uniqueId val="{00000003-7887-D841-BC87-C7C2FD80211B}"/>
+              </c:ext>
+            </c:extLst>
           </c:dPt>
           <c:dPt>
             <c:idx val="2"/>
@@ -235,6 +250,11 @@
               </a:ln>
               <a:effectLst/>
             </c:spPr>
+            <c:extLst>
+              <c:ext xmlns:c16="http://schemas.microsoft.com/office/drawing/2014/chart" uri="{C3380CC4-5D6E-409C-BE32-E72D297353CC}">
+                <c16:uniqueId val="{00000005-7887-D841-BC87-C7C2FD80211B}"/>
+              </c:ext>
+            </c:extLst>
           </c:dPt>
           <c:dPt>
             <c:idx val="3"/>
@@ -1305,7 +1325,7 @@
         <c:title>
           <c:tx>
             <c:rich>
-              <a:bodyPr rot="0" spcFirstLastPara="1" vertOverflow="ellipsis" vert="horz" wrap="square" anchor="ctr" anchorCtr="1"/>
+              <a:bodyPr rot="0" spcFirstLastPara="1" vertOverflow="ellipsis" wrap="square" anchor="ctr" anchorCtr="1"/>
               <a:lstStyle/>
               <a:p>
                 <a:pPr>
@@ -1353,7 +1373,7 @@
             <a:effectLst/>
           </c:spPr>
           <c:txPr>
-            <a:bodyPr rot="0" spcFirstLastPara="1" vertOverflow="ellipsis" vert="horz" wrap="square" anchor="ctr" anchorCtr="1"/>
+            <a:bodyPr rot="0" spcFirstLastPara="1" vertOverflow="ellipsis" wrap="square" anchor="ctr" anchorCtr="1"/>
             <a:lstStyle/>
             <a:p>
               <a:pPr>
@@ -1420,7 +1440,7 @@
         <c:title>
           <c:tx>
             <c:rich>
-              <a:bodyPr rot="0" spcFirstLastPara="1" vertOverflow="ellipsis" vert="horz" wrap="square" anchor="ctr" anchorCtr="1"/>
+              <a:bodyPr rot="0" spcFirstLastPara="1" vertOverflow="ellipsis" wrap="square" anchor="ctr" anchorCtr="1"/>
               <a:lstStyle/>
               <a:p>
                 <a:pPr>
@@ -1472,7 +1492,7 @@
             <a:effectLst/>
           </c:spPr>
           <c:txPr>
-            <a:bodyPr rot="0" spcFirstLastPara="1" vertOverflow="ellipsis" vert="horz" wrap="square" anchor="ctr" anchorCtr="1"/>
+            <a:bodyPr rot="0" spcFirstLastPara="1" vertOverflow="ellipsis" wrap="square" anchor="ctr" anchorCtr="1"/>
             <a:lstStyle/>
             <a:p>
               <a:pPr>
@@ -1540,6 +1560,7 @@
         <c:minorTickMark val="none"/>
         <c:tickLblPos val="nextTo"/>
         <c:crossAx val="898181823"/>
+        <c:crosses val="autoZero"/>
         <c:auto val="1"/>
         <c:lblAlgn val="ctr"/>
         <c:lblOffset val="100"/>
@@ -2396,6 +2417,478 @@
 </c:chartSpace>
 </file>
 
+<file path=ppt/charts/chart5.xml><?xml version="1.0" encoding="utf-8"?>
+<c:chartSpace xmlns:c="http://schemas.openxmlformats.org/drawingml/2006/chart" xmlns:a="http://schemas.openxmlformats.org/drawingml/2006/main" xmlns:r="http://schemas.openxmlformats.org/officeDocument/2006/relationships" xmlns:c16r2="http://schemas.microsoft.com/office/drawing/2015/06/chart">
+  <c:date1904 val="0"/>
+  <c:lang val="ja-JP"/>
+  <c:roundedCorners val="0"/>
+  <mc:AlternateContent xmlns:mc="http://schemas.openxmlformats.org/markup-compatibility/2006">
+    <mc:Choice xmlns:c14="http://schemas.microsoft.com/office/drawing/2007/8/2/chart" Requires="c14">
+      <c14:style val="105"/>
+    </mc:Choice>
+    <mc:Fallback>
+      <c:style val="5"/>
+    </mc:Fallback>
+  </mc:AlternateContent>
+  <c:chart>
+    <c:title>
+      <c:tx>
+        <c:rich>
+          <a:bodyPr rot="0" spcFirstLastPara="1" vertOverflow="ellipsis" vert="horz" wrap="square" anchor="ctr" anchorCtr="1"/>
+          <a:lstStyle/>
+          <a:p>
+            <a:pPr>
+              <a:defRPr sz="1862" b="0" i="0" u="none" strike="noStrike" kern="1200" cap="none" spc="20" baseline="0">
+                <a:solidFill>
+                  <a:schemeClr val="tx1">
+                    <a:lumMod val="50000"/>
+                    <a:lumOff val="50000"/>
+                  </a:schemeClr>
+                </a:solidFill>
+                <a:latin typeface="+mn-lt"/>
+                <a:ea typeface="+mn-ea"/>
+                <a:cs typeface="+mn-cs"/>
+              </a:defRPr>
+            </a:pPr>
+            <a:r>
+              <a:rPr lang="ja-JP"/>
+              <a:t>提供された機能の利用頻度</a:t>
+            </a:r>
+          </a:p>
+        </c:rich>
+      </c:tx>
+      <c:overlay val="0"/>
+      <c:spPr>
+        <a:noFill/>
+        <a:ln>
+          <a:noFill/>
+        </a:ln>
+        <a:effectLst/>
+      </c:spPr>
+      <c:txPr>
+        <a:bodyPr rot="0" spcFirstLastPara="1" vertOverflow="ellipsis" vert="horz" wrap="square" anchor="ctr" anchorCtr="1"/>
+        <a:lstStyle/>
+        <a:p>
+          <a:pPr>
+            <a:defRPr sz="1862" b="0" i="0" u="none" strike="noStrike" kern="1200" cap="none" spc="20" baseline="0">
+              <a:solidFill>
+                <a:schemeClr val="tx1">
+                  <a:lumMod val="50000"/>
+                  <a:lumOff val="50000"/>
+                </a:schemeClr>
+              </a:solidFill>
+              <a:latin typeface="+mn-lt"/>
+              <a:ea typeface="+mn-ea"/>
+              <a:cs typeface="+mn-cs"/>
+            </a:defRPr>
+          </a:pPr>
+          <a:endParaRPr lang="ja-JP"/>
+        </a:p>
+      </c:txPr>
+    </c:title>
+    <c:autoTitleDeleted val="0"/>
+    <c:plotArea>
+      <c:layout/>
+      <c:pieChart>
+        <c:varyColors val="1"/>
+        <c:ser>
+          <c:idx val="0"/>
+          <c:order val="0"/>
+          <c:tx>
+            <c:strRef>
+              <c:f>Sheet1!$B$1</c:f>
+              <c:strCache>
+                <c:ptCount val="1"/>
+                <c:pt idx="0">
+                  <c:v>機能の利用度</c:v>
+                </c:pt>
+              </c:strCache>
+            </c:strRef>
+          </c:tx>
+          <c:dPt>
+            <c:idx val="0"/>
+            <c:bubble3D val="0"/>
+            <c:spPr>
+              <a:gradFill rotWithShape="1">
+                <a:gsLst>
+                  <a:gs pos="0">
+                    <a:schemeClr val="accent3">
+                      <a:shade val="53000"/>
+                      <a:lumMod val="110000"/>
+                      <a:satMod val="105000"/>
+                      <a:tint val="67000"/>
+                    </a:schemeClr>
+                  </a:gs>
+                  <a:gs pos="50000">
+                    <a:schemeClr val="accent3">
+                      <a:shade val="53000"/>
+                      <a:lumMod val="105000"/>
+                      <a:satMod val="103000"/>
+                      <a:tint val="73000"/>
+                    </a:schemeClr>
+                  </a:gs>
+                  <a:gs pos="100000">
+                    <a:schemeClr val="accent3">
+                      <a:shade val="53000"/>
+                      <a:lumMod val="105000"/>
+                      <a:satMod val="109000"/>
+                      <a:tint val="81000"/>
+                    </a:schemeClr>
+                  </a:gs>
+                </a:gsLst>
+                <a:lin ang="5400000" scaled="0"/>
+              </a:gradFill>
+              <a:ln w="9525" cap="flat" cmpd="sng" algn="ctr">
+                <a:solidFill>
+                  <a:schemeClr val="accent3">
+                    <a:shade val="53000"/>
+                    <a:shade val="95000"/>
+                  </a:schemeClr>
+                </a:solidFill>
+                <a:round/>
+              </a:ln>
+              <a:effectLst/>
+            </c:spPr>
+          </c:dPt>
+          <c:dPt>
+            <c:idx val="1"/>
+            <c:bubble3D val="0"/>
+            <c:spPr>
+              <a:gradFill rotWithShape="1">
+                <a:gsLst>
+                  <a:gs pos="0">
+                    <a:schemeClr val="accent3">
+                      <a:shade val="76000"/>
+                      <a:lumMod val="110000"/>
+                      <a:satMod val="105000"/>
+                      <a:tint val="67000"/>
+                    </a:schemeClr>
+                  </a:gs>
+                  <a:gs pos="50000">
+                    <a:schemeClr val="accent3">
+                      <a:shade val="76000"/>
+                      <a:lumMod val="105000"/>
+                      <a:satMod val="103000"/>
+                      <a:tint val="73000"/>
+                    </a:schemeClr>
+                  </a:gs>
+                  <a:gs pos="100000">
+                    <a:schemeClr val="accent3">
+                      <a:shade val="76000"/>
+                      <a:lumMod val="105000"/>
+                      <a:satMod val="109000"/>
+                      <a:tint val="81000"/>
+                    </a:schemeClr>
+                  </a:gs>
+                </a:gsLst>
+                <a:lin ang="5400000" scaled="0"/>
+              </a:gradFill>
+              <a:ln w="9525" cap="flat" cmpd="sng" algn="ctr">
+                <a:solidFill>
+                  <a:schemeClr val="accent3">
+                    <a:shade val="76000"/>
+                    <a:shade val="95000"/>
+                  </a:schemeClr>
+                </a:solidFill>
+                <a:round/>
+              </a:ln>
+              <a:effectLst/>
+            </c:spPr>
+          </c:dPt>
+          <c:dPt>
+            <c:idx val="2"/>
+            <c:bubble3D val="0"/>
+            <c:spPr>
+              <a:gradFill rotWithShape="1">
+                <a:gsLst>
+                  <a:gs pos="0">
+                    <a:schemeClr val="accent3">
+                      <a:lumMod val="110000"/>
+                      <a:satMod val="105000"/>
+                      <a:tint val="67000"/>
+                    </a:schemeClr>
+                  </a:gs>
+                  <a:gs pos="50000">
+                    <a:schemeClr val="accent3">
+                      <a:lumMod val="105000"/>
+                      <a:satMod val="103000"/>
+                      <a:tint val="73000"/>
+                    </a:schemeClr>
+                  </a:gs>
+                  <a:gs pos="100000">
+                    <a:schemeClr val="accent3">
+                      <a:lumMod val="105000"/>
+                      <a:satMod val="109000"/>
+                      <a:tint val="81000"/>
+                    </a:schemeClr>
+                  </a:gs>
+                </a:gsLst>
+                <a:lin ang="5400000" scaled="0"/>
+              </a:gradFill>
+              <a:ln w="9525" cap="flat" cmpd="sng" algn="ctr">
+                <a:solidFill>
+                  <a:schemeClr val="accent3">
+                    <a:shade val="95000"/>
+                  </a:schemeClr>
+                </a:solidFill>
+                <a:round/>
+              </a:ln>
+              <a:effectLst/>
+            </c:spPr>
+          </c:dPt>
+          <c:dPt>
+            <c:idx val="3"/>
+            <c:bubble3D val="0"/>
+            <c:spPr>
+              <a:gradFill rotWithShape="1">
+                <a:gsLst>
+                  <a:gs pos="0">
+                    <a:schemeClr val="accent3">
+                      <a:tint val="77000"/>
+                      <a:lumMod val="110000"/>
+                      <a:satMod val="105000"/>
+                      <a:tint val="67000"/>
+                    </a:schemeClr>
+                  </a:gs>
+                  <a:gs pos="50000">
+                    <a:schemeClr val="accent3">
+                      <a:tint val="77000"/>
+                      <a:lumMod val="105000"/>
+                      <a:satMod val="103000"/>
+                      <a:tint val="73000"/>
+                    </a:schemeClr>
+                  </a:gs>
+                  <a:gs pos="100000">
+                    <a:schemeClr val="accent3">
+                      <a:tint val="77000"/>
+                      <a:lumMod val="105000"/>
+                      <a:satMod val="109000"/>
+                      <a:tint val="81000"/>
+                    </a:schemeClr>
+                  </a:gs>
+                </a:gsLst>
+                <a:lin ang="5400000" scaled="0"/>
+              </a:gradFill>
+              <a:ln w="9525" cap="flat" cmpd="sng" algn="ctr">
+                <a:solidFill>
+                  <a:schemeClr val="accent3">
+                    <a:tint val="77000"/>
+                    <a:shade val="95000"/>
+                  </a:schemeClr>
+                </a:solidFill>
+                <a:round/>
+              </a:ln>
+              <a:effectLst/>
+            </c:spPr>
+          </c:dPt>
+          <c:dPt>
+            <c:idx val="4"/>
+            <c:bubble3D val="0"/>
+            <c:spPr>
+              <a:gradFill rotWithShape="1">
+                <a:gsLst>
+                  <a:gs pos="0">
+                    <a:schemeClr val="accent3">
+                      <a:tint val="54000"/>
+                      <a:lumMod val="110000"/>
+                      <a:satMod val="105000"/>
+                      <a:tint val="67000"/>
+                    </a:schemeClr>
+                  </a:gs>
+                  <a:gs pos="50000">
+                    <a:schemeClr val="accent3">
+                      <a:tint val="54000"/>
+                      <a:lumMod val="105000"/>
+                      <a:satMod val="103000"/>
+                      <a:tint val="73000"/>
+                    </a:schemeClr>
+                  </a:gs>
+                  <a:gs pos="100000">
+                    <a:schemeClr val="accent3">
+                      <a:tint val="54000"/>
+                      <a:lumMod val="105000"/>
+                      <a:satMod val="109000"/>
+                      <a:tint val="81000"/>
+                    </a:schemeClr>
+                  </a:gs>
+                </a:gsLst>
+                <a:lin ang="5400000" scaled="0"/>
+              </a:gradFill>
+              <a:ln w="9525" cap="flat" cmpd="sng" algn="ctr">
+                <a:solidFill>
+                  <a:schemeClr val="accent3">
+                    <a:tint val="54000"/>
+                    <a:shade val="95000"/>
+                  </a:schemeClr>
+                </a:solidFill>
+                <a:round/>
+              </a:ln>
+              <a:effectLst/>
+            </c:spPr>
+          </c:dPt>
+          <c:dLbls>
+            <c:spPr>
+              <a:noFill/>
+              <a:ln>
+                <a:noFill/>
+              </a:ln>
+              <a:effectLst/>
+            </c:spPr>
+            <c:txPr>
+              <a:bodyPr rot="0" spcFirstLastPara="1" vertOverflow="ellipsis" vert="horz" wrap="square" lIns="38100" tIns="19050" rIns="38100" bIns="19050" anchor="ctr" anchorCtr="1">
+                <a:spAutoFit/>
+              </a:bodyPr>
+              <a:lstStyle/>
+              <a:p>
+                <a:pPr>
+                  <a:defRPr sz="1197" b="0" i="0" u="none" strike="noStrike" kern="1200" baseline="0">
+                    <a:solidFill>
+                      <a:schemeClr val="tx1">
+                        <a:lumMod val="65000"/>
+                        <a:lumOff val="35000"/>
+                      </a:schemeClr>
+                    </a:solidFill>
+                    <a:latin typeface="+mn-lt"/>
+                    <a:ea typeface="+mn-ea"/>
+                    <a:cs typeface="+mn-cs"/>
+                  </a:defRPr>
+                </a:pPr>
+                <a:endParaRPr lang="ja-JP"/>
+              </a:p>
+            </c:txPr>
+            <c:dLblPos val="inEnd"/>
+            <c:showLegendKey val="0"/>
+            <c:showVal val="0"/>
+            <c:showCatName val="1"/>
+            <c:showSerName val="0"/>
+            <c:showPercent val="1"/>
+            <c:showBubbleSize val="0"/>
+            <c:separator> </c:separator>
+            <c:showLeaderLines val="1"/>
+            <c:leaderLines>
+              <c:spPr>
+                <a:ln w="9525">
+                  <a:solidFill>
+                    <a:schemeClr val="tx1">
+                      <a:lumMod val="35000"/>
+                      <a:lumOff val="65000"/>
+                    </a:schemeClr>
+                  </a:solidFill>
+                </a:ln>
+                <a:effectLst/>
+              </c:spPr>
+            </c:leaderLines>
+            <c:extLst>
+              <c:ext xmlns:c15="http://schemas.microsoft.com/office/drawing/2012/chart" uri="{CE6537A1-D6FC-4f65-9D91-7224C49458BB}"/>
+            </c:extLst>
+          </c:dLbls>
+          <c:cat>
+            <c:strRef>
+              <c:f>Sheet1!$A$2:$A$6</c:f>
+              <c:strCache>
+                <c:ptCount val="5"/>
+                <c:pt idx="0">
+                  <c:v>いつも使う</c:v>
+                </c:pt>
+                <c:pt idx="1">
+                  <c:v>よく使う</c:v>
+                </c:pt>
+                <c:pt idx="2">
+                  <c:v>たまに使う</c:v>
+                </c:pt>
+                <c:pt idx="3">
+                  <c:v>ほとんど使わない</c:v>
+                </c:pt>
+                <c:pt idx="4">
+                  <c:v>全く使わない</c:v>
+                </c:pt>
+              </c:strCache>
+            </c:strRef>
+          </c:cat>
+          <c:val>
+            <c:numRef>
+              <c:f>Sheet1!$B$2:$B$6</c:f>
+              <c:numCache>
+                <c:formatCode>General</c:formatCode>
+                <c:ptCount val="5"/>
+                <c:pt idx="0">
+                  <c:v>7</c:v>
+                </c:pt>
+                <c:pt idx="1">
+                  <c:v>13</c:v>
+                </c:pt>
+                <c:pt idx="2">
+                  <c:v>16</c:v>
+                </c:pt>
+                <c:pt idx="3">
+                  <c:v>19</c:v>
+                </c:pt>
+                <c:pt idx="4">
+                  <c:v>45</c:v>
+                </c:pt>
+              </c:numCache>
+            </c:numRef>
+          </c:val>
+          <c:extLst>
+            <c:ext xmlns:c16="http://schemas.microsoft.com/office/drawing/2014/chart" uri="{C3380CC4-5D6E-409C-BE32-E72D297353CC}">
+              <c16:uniqueId val="{00000000-7EFF-BD4F-B1AE-6CC89E25FEF6}"/>
+            </c:ext>
+          </c:extLst>
+        </c:ser>
+        <c:dLbls>
+          <c:dLblPos val="inEnd"/>
+          <c:showLegendKey val="0"/>
+          <c:showVal val="1"/>
+          <c:showCatName val="0"/>
+          <c:showSerName val="0"/>
+          <c:showPercent val="0"/>
+          <c:showBubbleSize val="0"/>
+          <c:showLeaderLines val="1"/>
+        </c:dLbls>
+        <c:firstSliceAng val="0"/>
+      </c:pieChart>
+      <c:spPr>
+        <a:noFill/>
+        <a:ln>
+          <a:noFill/>
+        </a:ln>
+        <a:effectLst/>
+      </c:spPr>
+    </c:plotArea>
+    <c:plotVisOnly val="1"/>
+    <c:dispBlanksAs val="gap"/>
+    <c:extLst>
+      <c:ext xmlns:c16r3="http://schemas.microsoft.com/office/drawing/2017/03/chart" uri="{56B9EC1D-385E-4148-901F-78D8002777C0}">
+        <c16r3:dataDisplayOptions16>
+          <c16r3:dispNaAsBlank val="1"/>
+        </c16r3:dataDisplayOptions16>
+      </c:ext>
+    </c:extLst>
+    <c:showDLblsOverMax val="0"/>
+  </c:chart>
+  <c:spPr>
+    <a:noFill/>
+    <a:ln>
+      <a:noFill/>
+    </a:ln>
+    <a:effectLst/>
+  </c:spPr>
+  <c:txPr>
+    <a:bodyPr/>
+    <a:lstStyle/>
+    <a:p>
+      <a:pPr>
+        <a:defRPr/>
+      </a:pPr>
+      <a:endParaRPr lang="ja-JP"/>
+    </a:p>
+  </c:txPr>
+  <c:externalData r:id="rId3">
+    <c:autoUpdate val="0"/>
+  </c:externalData>
+</c:chartSpace>
+</file>
+
 <file path=ppt/charts/colors1.xml><?xml version="1.0" encoding="utf-8"?>
 <cs:colorStyle xmlns:cs="http://schemas.microsoft.com/office/drawing/2012/chartStyle" xmlns:a="http://schemas.openxmlformats.org/drawingml/2006/main" meth="withinLinear" id="16">
   <a:schemeClr val="accent3"/>
@@ -2420,6 +2913,12 @@
 </cs:colorStyle>
 </file>
 
+<file path=ppt/charts/colors5.xml><?xml version="1.0" encoding="utf-8"?>
+<cs:colorStyle xmlns:cs="http://schemas.microsoft.com/office/drawing/2012/chartStyle" xmlns:a="http://schemas.openxmlformats.org/drawingml/2006/main" meth="withinLinear" id="16">
+  <a:schemeClr val="accent3"/>
+</cs:colorStyle>
+</file>
+
 <file path=ppt/charts/style1.xml><?xml version="1.0" encoding="utf-8"?>
 <cs:chartStyle xmlns:cs="http://schemas.microsoft.com/office/drawing/2012/chartStyle" xmlns:a="http://schemas.openxmlformats.org/drawingml/2006/main" id="333">
   <cs:axisTitle>
@@ -4498,6 +4997,520 @@
         <a:noFill/>
       </a:ln>
     </cs:spPr>
+  </cs:wall>
+</cs:chartStyle>
+</file>
+
+<file path=ppt/charts/style5.xml><?xml version="1.0" encoding="utf-8"?>
+<cs:chartStyle xmlns:cs="http://schemas.microsoft.com/office/drawing/2012/chartStyle" xmlns:a="http://schemas.openxmlformats.org/drawingml/2006/main" id="254">
+  <cs:axisTitle>
+    <cs:lnRef idx="0"/>
+    <cs:fillRef idx="0"/>
+    <cs:effectRef idx="0"/>
+    <cs:fontRef idx="minor">
+      <a:schemeClr val="tx1">
+        <a:lumMod val="50000"/>
+        <a:lumOff val="50000"/>
+      </a:schemeClr>
+    </cs:fontRef>
+    <cs:defRPr sz="1197" kern="1200" cap="all"/>
+  </cs:axisTitle>
+  <cs:categoryAxis>
+    <cs:lnRef idx="0"/>
+    <cs:fillRef idx="0"/>
+    <cs:effectRef idx="0"/>
+    <cs:fontRef idx="minor">
+      <a:schemeClr val="tx1">
+        <a:lumMod val="50000"/>
+        <a:lumOff val="50000"/>
+      </a:schemeClr>
+    </cs:fontRef>
+    <cs:spPr>
+      <a:ln w="9525" cap="flat" cmpd="sng" algn="ctr">
+        <a:solidFill>
+          <a:schemeClr val="tx1">
+            <a:lumMod val="15000"/>
+            <a:lumOff val="85000"/>
+          </a:schemeClr>
+        </a:solidFill>
+        <a:round/>
+      </a:ln>
+    </cs:spPr>
+    <cs:defRPr sz="1197" kern="1200"/>
+  </cs:categoryAxis>
+  <cs:chartArea mods="allowNoFillOverride allowNoLineOverride">
+    <cs:lnRef idx="0"/>
+    <cs:fillRef idx="0"/>
+    <cs:effectRef idx="0"/>
+    <cs:fontRef idx="minor">
+      <a:schemeClr val="dk1"/>
+    </cs:fontRef>
+    <cs:spPr>
+      <a:solidFill>
+        <a:schemeClr val="bg1"/>
+      </a:solidFill>
+      <a:ln w="9525" cap="flat" cmpd="sng" algn="ctr">
+        <a:solidFill>
+          <a:schemeClr val="tx1">
+            <a:lumMod val="15000"/>
+            <a:lumOff val="85000"/>
+          </a:schemeClr>
+        </a:solidFill>
+        <a:round/>
+      </a:ln>
+    </cs:spPr>
+    <cs:defRPr sz="1197" kern="1200"/>
+  </cs:chartArea>
+  <cs:dataLabel>
+    <cs:lnRef idx="0"/>
+    <cs:fillRef idx="0"/>
+    <cs:effectRef idx="0"/>
+    <cs:fontRef idx="minor">
+      <a:schemeClr val="tx1">
+        <a:lumMod val="65000"/>
+        <a:lumOff val="35000"/>
+      </a:schemeClr>
+    </cs:fontRef>
+    <cs:defRPr sz="1197" kern="1200"/>
+  </cs:dataLabel>
+  <cs:dataLabelCallout>
+    <cs:lnRef idx="0"/>
+    <cs:fillRef idx="0"/>
+    <cs:effectRef idx="0"/>
+    <cs:fontRef idx="minor">
+      <a:schemeClr val="dk1">
+        <a:lumMod val="65000"/>
+        <a:lumOff val="35000"/>
+      </a:schemeClr>
+    </cs:fontRef>
+    <cs:spPr>
+      <a:solidFill>
+        <a:schemeClr val="lt1"/>
+      </a:solidFill>
+      <a:ln>
+        <a:solidFill>
+          <a:schemeClr val="dk1">
+            <a:lumMod val="25000"/>
+            <a:lumOff val="75000"/>
+          </a:schemeClr>
+        </a:solidFill>
+      </a:ln>
+    </cs:spPr>
+    <cs:defRPr sz="1197" kern="1200"/>
+    <cs:bodyPr rot="0" spcFirstLastPara="1" vertOverflow="clip" horzOverflow="clip" vert="horz" wrap="square" lIns="36576" tIns="18288" rIns="36576" bIns="18288" anchor="ctr" anchorCtr="1">
+      <a:spAutoFit/>
+    </cs:bodyPr>
+  </cs:dataLabelCallout>
+  <cs:dataPoint>
+    <cs:lnRef idx="0">
+      <cs:styleClr val="auto"/>
+    </cs:lnRef>
+    <cs:fillRef idx="2">
+      <cs:styleClr val="auto"/>
+    </cs:fillRef>
+    <cs:effectRef idx="1"/>
+    <cs:fontRef idx="minor">
+      <a:schemeClr val="dk1"/>
+    </cs:fontRef>
+    <cs:spPr>
+      <a:ln w="9525" cap="flat" cmpd="sng" algn="ctr">
+        <a:solidFill>
+          <a:schemeClr val="phClr">
+            <a:shade val="95000"/>
+          </a:schemeClr>
+        </a:solidFill>
+        <a:round/>
+      </a:ln>
+    </cs:spPr>
+  </cs:dataPoint>
+  <cs:dataPoint3D>
+    <cs:lnRef idx="0"/>
+    <cs:fillRef idx="2">
+      <cs:styleClr val="auto"/>
+    </cs:fillRef>
+    <cs:effectRef idx="1"/>
+    <cs:fontRef idx="minor">
+      <a:schemeClr val="dk1"/>
+    </cs:fontRef>
+    <cs:spPr/>
+  </cs:dataPoint3D>
+  <cs:dataPointLine>
+    <cs:lnRef idx="0">
+      <cs:styleClr val="auto"/>
+    </cs:lnRef>
+    <cs:fillRef idx="2">
+      <cs:styleClr val="auto"/>
+    </cs:fillRef>
+    <cs:effectRef idx="1"/>
+    <cs:fontRef idx="minor">
+      <a:schemeClr val="dk1"/>
+    </cs:fontRef>
+    <cs:spPr>
+      <a:ln w="15875" cap="rnd">
+        <a:solidFill>
+          <a:schemeClr val="phClr"/>
+        </a:solidFill>
+        <a:round/>
+      </a:ln>
+    </cs:spPr>
+  </cs:dataPointLine>
+  <cs:dataPointMarker>
+    <cs:lnRef idx="0">
+      <cs:styleClr val="auto"/>
+    </cs:lnRef>
+    <cs:fillRef idx="2">
+      <cs:styleClr val="auto"/>
+    </cs:fillRef>
+    <cs:effectRef idx="1"/>
+    <cs:fontRef idx="minor">
+      <a:schemeClr val="dk1"/>
+    </cs:fontRef>
+    <cs:spPr>
+      <a:ln w="9525" cap="flat" cmpd="sng" algn="ctr">
+        <a:solidFill>
+          <a:schemeClr val="phClr">
+            <a:shade val="95000"/>
+          </a:schemeClr>
+        </a:solidFill>
+        <a:round/>
+      </a:ln>
+    </cs:spPr>
+  </cs:dataPointMarker>
+  <cs:dataPointMarkerLayout symbol="circle" size="4"/>
+  <cs:dataPointWireframe>
+    <cs:lnRef idx="0">
+      <cs:styleClr val="auto"/>
+    </cs:lnRef>
+    <cs:fillRef idx="2"/>
+    <cs:effectRef idx="0"/>
+    <cs:fontRef idx="minor">
+      <a:schemeClr val="dk1"/>
+    </cs:fontRef>
+    <cs:spPr>
+      <a:ln w="9525" cap="rnd">
+        <a:solidFill>
+          <a:schemeClr val="phClr"/>
+        </a:solidFill>
+        <a:round/>
+      </a:ln>
+    </cs:spPr>
+  </cs:dataPointWireframe>
+  <cs:dataTable>
+    <cs:lnRef idx="0"/>
+    <cs:fillRef idx="0"/>
+    <cs:effectRef idx="0"/>
+    <cs:fontRef idx="minor">
+      <a:schemeClr val="tx1">
+        <a:lumMod val="50000"/>
+        <a:lumOff val="50000"/>
+      </a:schemeClr>
+    </cs:fontRef>
+    <cs:spPr>
+      <a:ln w="9525">
+        <a:solidFill>
+          <a:schemeClr val="tx1">
+            <a:lumMod val="15000"/>
+            <a:lumOff val="85000"/>
+          </a:schemeClr>
+        </a:solidFill>
+      </a:ln>
+    </cs:spPr>
+    <cs:defRPr sz="1197" kern="1200"/>
+  </cs:dataTable>
+  <cs:downBar>
+    <cs:lnRef idx="0"/>
+    <cs:fillRef idx="0"/>
+    <cs:effectRef idx="0"/>
+    <cs:fontRef idx="minor">
+      <a:schemeClr val="dk1"/>
+    </cs:fontRef>
+    <cs:spPr>
+      <a:solidFill>
+        <a:schemeClr val="dk1">
+          <a:lumMod val="75000"/>
+          <a:lumOff val="25000"/>
+        </a:schemeClr>
+      </a:solidFill>
+      <a:ln w="9525">
+        <a:solidFill>
+          <a:schemeClr val="tx1">
+            <a:lumMod val="50000"/>
+            <a:lumOff val="50000"/>
+          </a:schemeClr>
+        </a:solidFill>
+      </a:ln>
+    </cs:spPr>
+  </cs:downBar>
+  <cs:dropLine>
+    <cs:lnRef idx="0"/>
+    <cs:fillRef idx="0"/>
+    <cs:effectRef idx="0"/>
+    <cs:fontRef idx="minor">
+      <a:schemeClr val="dk1"/>
+    </cs:fontRef>
+    <cs:spPr>
+      <a:ln w="9525">
+        <a:solidFill>
+          <a:schemeClr val="tx1">
+            <a:lumMod val="35000"/>
+            <a:lumOff val="65000"/>
+          </a:schemeClr>
+        </a:solidFill>
+        <a:prstDash val="dash"/>
+      </a:ln>
+    </cs:spPr>
+  </cs:dropLine>
+  <cs:errorBar>
+    <cs:lnRef idx="0"/>
+    <cs:fillRef idx="0"/>
+    <cs:effectRef idx="0"/>
+    <cs:fontRef idx="minor">
+      <a:schemeClr val="dk1"/>
+    </cs:fontRef>
+    <cs:spPr>
+      <a:ln w="9525">
+        <a:solidFill>
+          <a:schemeClr val="tx1">
+            <a:lumMod val="50000"/>
+            <a:lumOff val="50000"/>
+          </a:schemeClr>
+        </a:solidFill>
+      </a:ln>
+    </cs:spPr>
+  </cs:errorBar>
+  <cs:floor>
+    <cs:lnRef idx="0"/>
+    <cs:fillRef idx="0"/>
+    <cs:effectRef idx="0"/>
+    <cs:fontRef idx="minor">
+      <a:schemeClr val="dk1"/>
+    </cs:fontRef>
+  </cs:floor>
+  <cs:gridlineMajor>
+    <cs:lnRef idx="0"/>
+    <cs:fillRef idx="0"/>
+    <cs:effectRef idx="0"/>
+    <cs:fontRef idx="minor">
+      <a:schemeClr val="dk1"/>
+    </cs:fontRef>
+    <cs:spPr>
+      <a:ln w="9525" cap="flat" cmpd="sng" algn="ctr">
+        <a:solidFill>
+          <a:schemeClr val="tx1">
+            <a:lumMod val="15000"/>
+            <a:lumOff val="85000"/>
+          </a:schemeClr>
+        </a:solidFill>
+        <a:round/>
+      </a:ln>
+    </cs:spPr>
+  </cs:gridlineMajor>
+  <cs:gridlineMinor>
+    <cs:lnRef idx="0"/>
+    <cs:fillRef idx="0"/>
+    <cs:effectRef idx="0"/>
+    <cs:fontRef idx="minor">
+      <a:schemeClr val="dk1"/>
+    </cs:fontRef>
+    <cs:spPr>
+      <a:ln>
+        <a:solidFill>
+          <a:schemeClr val="tx1">
+            <a:lumMod val="5000"/>
+            <a:lumOff val="95000"/>
+          </a:schemeClr>
+        </a:solidFill>
+      </a:ln>
+    </cs:spPr>
+  </cs:gridlineMinor>
+  <cs:hiLoLine>
+    <cs:lnRef idx="0"/>
+    <cs:fillRef idx="0"/>
+    <cs:effectRef idx="0"/>
+    <cs:fontRef idx="minor">
+      <a:schemeClr val="dk1"/>
+    </cs:fontRef>
+    <cs:spPr>
+      <a:ln w="9525">
+        <a:solidFill>
+          <a:schemeClr val="tx1">
+            <a:lumMod val="50000"/>
+            <a:lumOff val="50000"/>
+          </a:schemeClr>
+        </a:solidFill>
+        <a:prstDash val="dash"/>
+      </a:ln>
+    </cs:spPr>
+  </cs:hiLoLine>
+  <cs:leaderLine>
+    <cs:lnRef idx="0"/>
+    <cs:fillRef idx="0"/>
+    <cs:effectRef idx="0"/>
+    <cs:fontRef idx="minor">
+      <a:schemeClr val="dk1"/>
+    </cs:fontRef>
+    <cs:spPr>
+      <a:ln w="9525">
+        <a:solidFill>
+          <a:schemeClr val="tx1">
+            <a:lumMod val="35000"/>
+            <a:lumOff val="65000"/>
+          </a:schemeClr>
+        </a:solidFill>
+      </a:ln>
+    </cs:spPr>
+  </cs:leaderLine>
+  <cs:legend>
+    <cs:lnRef idx="0"/>
+    <cs:fillRef idx="0"/>
+    <cs:effectRef idx="0"/>
+    <cs:fontRef idx="minor">
+      <a:schemeClr val="tx1">
+        <a:lumMod val="50000"/>
+        <a:lumOff val="50000"/>
+      </a:schemeClr>
+    </cs:fontRef>
+    <cs:defRPr sz="1197" kern="1200"/>
+  </cs:legend>
+  <cs:plotArea mods="allowNoFillOverride allowNoLineOverride">
+    <cs:lnRef idx="0"/>
+    <cs:fillRef idx="0"/>
+    <cs:effectRef idx="0"/>
+    <cs:fontRef idx="minor">
+      <a:schemeClr val="dk1"/>
+    </cs:fontRef>
+  </cs:plotArea>
+  <cs:plotArea3D mods="allowNoFillOverride allowNoLineOverride">
+    <cs:lnRef idx="0"/>
+    <cs:fillRef idx="0"/>
+    <cs:effectRef idx="0"/>
+    <cs:fontRef idx="minor">
+      <a:schemeClr val="dk1"/>
+    </cs:fontRef>
+  </cs:plotArea3D>
+  <cs:seriesAxis>
+    <cs:lnRef idx="0"/>
+    <cs:fillRef idx="0"/>
+    <cs:effectRef idx="0"/>
+    <cs:fontRef idx="minor">
+      <a:schemeClr val="tx1">
+        <a:lumMod val="50000"/>
+        <a:lumOff val="50000"/>
+      </a:schemeClr>
+    </cs:fontRef>
+    <cs:spPr>
+      <a:ln w="9525" cap="flat" cmpd="sng" algn="ctr">
+        <a:solidFill>
+          <a:schemeClr val="tx1">
+            <a:lumMod val="15000"/>
+            <a:lumOff val="85000"/>
+          </a:schemeClr>
+        </a:solidFill>
+        <a:round/>
+      </a:ln>
+    </cs:spPr>
+    <cs:defRPr sz="1197" kern="1200"/>
+  </cs:seriesAxis>
+  <cs:seriesLine>
+    <cs:lnRef idx="0"/>
+    <cs:fillRef idx="0"/>
+    <cs:effectRef idx="0"/>
+    <cs:fontRef idx="minor">
+      <a:schemeClr val="dk1"/>
+    </cs:fontRef>
+    <cs:spPr>
+      <a:ln w="9525">
+        <a:solidFill>
+          <a:schemeClr val="tx1">
+            <a:lumMod val="35000"/>
+            <a:lumOff val="65000"/>
+          </a:schemeClr>
+        </a:solidFill>
+        <a:prstDash val="dash"/>
+      </a:ln>
+    </cs:spPr>
+  </cs:seriesLine>
+  <cs:title>
+    <cs:lnRef idx="0"/>
+    <cs:fillRef idx="0"/>
+    <cs:effectRef idx="0"/>
+    <cs:fontRef idx="minor">
+      <a:schemeClr val="tx1">
+        <a:lumMod val="50000"/>
+        <a:lumOff val="50000"/>
+      </a:schemeClr>
+    </cs:fontRef>
+    <cs:defRPr sz="1862" kern="1200" cap="none" spc="20" baseline="0"/>
+  </cs:title>
+  <cs:trendline>
+    <cs:lnRef idx="0">
+      <cs:styleClr val="auto"/>
+    </cs:lnRef>
+    <cs:fillRef idx="2"/>
+    <cs:effectRef idx="0"/>
+    <cs:fontRef idx="minor">
+      <a:schemeClr val="dk1"/>
+    </cs:fontRef>
+    <cs:spPr>
+      <a:ln w="9525" cap="rnd">
+        <a:solidFill>
+          <a:schemeClr val="phClr"/>
+        </a:solidFill>
+      </a:ln>
+    </cs:spPr>
+  </cs:trendline>
+  <cs:trendlineLabel>
+    <cs:lnRef idx="0"/>
+    <cs:fillRef idx="0"/>
+    <cs:effectRef idx="0"/>
+    <cs:fontRef idx="minor">
+      <a:schemeClr val="tx1">
+        <a:lumMod val="50000"/>
+        <a:lumOff val="50000"/>
+      </a:schemeClr>
+    </cs:fontRef>
+    <cs:defRPr sz="1197" kern="1200"/>
+  </cs:trendlineLabel>
+  <cs:upBar>
+    <cs:lnRef idx="0"/>
+    <cs:fillRef idx="0"/>
+    <cs:effectRef idx="0"/>
+    <cs:fontRef idx="minor">
+      <a:schemeClr val="dk1"/>
+    </cs:fontRef>
+    <cs:spPr>
+      <a:solidFill>
+        <a:schemeClr val="lt1"/>
+      </a:solidFill>
+      <a:ln w="9525">
+        <a:solidFill>
+          <a:schemeClr val="tx1">
+            <a:lumMod val="50000"/>
+            <a:lumOff val="50000"/>
+          </a:schemeClr>
+        </a:solidFill>
+      </a:ln>
+    </cs:spPr>
+  </cs:upBar>
+  <cs:valueAxis>
+    <cs:lnRef idx="0"/>
+    <cs:fillRef idx="0"/>
+    <cs:effectRef idx="0"/>
+    <cs:fontRef idx="minor">
+      <a:schemeClr val="tx1">
+        <a:lumMod val="50000"/>
+        <a:lumOff val="50000"/>
+      </a:schemeClr>
+    </cs:fontRef>
+    <cs:defRPr sz="1197" kern="1200"/>
+  </cs:valueAxis>
+  <cs:wall>
+    <cs:lnRef idx="0"/>
+    <cs:fillRef idx="0"/>
+    <cs:effectRef idx="0"/>
+    <cs:fontRef idx="minor">
+      <a:schemeClr val="dk1"/>
+    </cs:fontRef>
   </cs:wall>
 </cs:chartStyle>
 </file>
@@ -4583,7 +5596,7 @@
           </a:lstStyle>
           <a:p>
             <a:fld id="{77F70FBF-4363-7F4A-8EE0-176DCD72CF3A}" type="datetimeFigureOut">
-              <a:t>2023/7/29</a:t>
+              <a:t>2023/7/30</a:t>
             </a:fld>
             <a:endParaRPr kumimoji="1" lang="ja-JP" altLang="en-US"/>
           </a:p>
@@ -5047,6 +6060,174 @@
 </p:notes>
 </file>
 
+<file path=ppt/notesSlides/notesSlide3.xml><?xml version="1.0" encoding="utf-8"?>
+<p:notes xmlns:a="http://schemas.openxmlformats.org/drawingml/2006/main" xmlns:r="http://schemas.openxmlformats.org/officeDocument/2006/relationships" xmlns:p="http://schemas.openxmlformats.org/presentationml/2006/main">
+  <p:cSld>
+    <p:spTree>
+      <p:nvGrpSpPr>
+        <p:cNvPr id="1" name=""/>
+        <p:cNvGrpSpPr/>
+        <p:nvPr/>
+      </p:nvGrpSpPr>
+      <p:grpSpPr>
+        <a:xfrm>
+          <a:off x="0" y="0"/>
+          <a:ext cx="0" cy="0"/>
+          <a:chOff x="0" y="0"/>
+          <a:chExt cx="0" cy="0"/>
+        </a:xfrm>
+      </p:grpSpPr>
+      <p:sp>
+        <p:nvSpPr>
+          <p:cNvPr id="2" name="スライド イメージ プレースホルダー 1"/>
+          <p:cNvSpPr>
+            <a:spLocks noGrp="1" noRot="1" noChangeAspect="1"/>
+          </p:cNvSpPr>
+          <p:nvPr>
+            <p:ph type="sldImg"/>
+          </p:nvPr>
+        </p:nvSpPr>
+        <p:spPr/>
+      </p:sp>
+      <p:sp>
+        <p:nvSpPr>
+          <p:cNvPr id="3" name="ノート プレースホルダー 2"/>
+          <p:cNvSpPr>
+            <a:spLocks noGrp="1"/>
+          </p:cNvSpPr>
+          <p:nvPr>
+            <p:ph type="body" idx="1"/>
+          </p:nvPr>
+        </p:nvSpPr>
+        <p:spPr/>
+        <p:txBody>
+          <a:bodyPr/>
+          <a:lstStyle/>
+          <a:p>
+            <a:endParaRPr kumimoji="1" lang="ja-JP" altLang="en-US"/>
+          </a:p>
+        </p:txBody>
+      </p:sp>
+      <p:sp>
+        <p:nvSpPr>
+          <p:cNvPr id="4" name="スライド番号プレースホルダー 3"/>
+          <p:cNvSpPr>
+            <a:spLocks noGrp="1"/>
+          </p:cNvSpPr>
+          <p:nvPr>
+            <p:ph type="sldNum" sz="quarter" idx="5"/>
+          </p:nvPr>
+        </p:nvSpPr>
+        <p:spPr/>
+        <p:txBody>
+          <a:bodyPr/>
+          <a:lstStyle/>
+          <a:p>
+            <a:fld id="{C3A3D0D0-C60C-FA4D-8D26-826E2C8C62E6}" type="slidenum">
+              <a:rPr lang="en-US" altLang="ja-JP"/>
+              <a:t>5</a:t>
+            </a:fld>
+            <a:endParaRPr kumimoji="1" lang="ja-JP" altLang="en-US"/>
+          </a:p>
+        </p:txBody>
+      </p:sp>
+    </p:spTree>
+    <p:extLst>
+      <p:ext uri="{BB962C8B-B14F-4D97-AF65-F5344CB8AC3E}">
+        <p14:creationId xmlns:p14="http://schemas.microsoft.com/office/powerpoint/2010/main" val="2150132816"/>
+      </p:ext>
+    </p:extLst>
+  </p:cSld>
+  <p:clrMapOvr>
+    <a:masterClrMapping/>
+  </p:clrMapOvr>
+</p:notes>
+</file>
+
+<file path=ppt/notesSlides/notesSlide4.xml><?xml version="1.0" encoding="utf-8"?>
+<p:notes xmlns:a="http://schemas.openxmlformats.org/drawingml/2006/main" xmlns:r="http://schemas.openxmlformats.org/officeDocument/2006/relationships" xmlns:p="http://schemas.openxmlformats.org/presentationml/2006/main">
+  <p:cSld>
+    <p:spTree>
+      <p:nvGrpSpPr>
+        <p:cNvPr id="1" name=""/>
+        <p:cNvGrpSpPr/>
+        <p:nvPr/>
+      </p:nvGrpSpPr>
+      <p:grpSpPr>
+        <a:xfrm>
+          <a:off x="0" y="0"/>
+          <a:ext cx="0" cy="0"/>
+          <a:chOff x="0" y="0"/>
+          <a:chExt cx="0" cy="0"/>
+        </a:xfrm>
+      </p:grpSpPr>
+      <p:sp>
+        <p:nvSpPr>
+          <p:cNvPr id="2" name="スライド イメージ プレースホルダー 1"/>
+          <p:cNvSpPr>
+            <a:spLocks noGrp="1" noRot="1" noChangeAspect="1"/>
+          </p:cNvSpPr>
+          <p:nvPr>
+            <p:ph type="sldImg"/>
+          </p:nvPr>
+        </p:nvSpPr>
+        <p:spPr/>
+      </p:sp>
+      <p:sp>
+        <p:nvSpPr>
+          <p:cNvPr id="3" name="ノート プレースホルダー 2"/>
+          <p:cNvSpPr>
+            <a:spLocks noGrp="1"/>
+          </p:cNvSpPr>
+          <p:nvPr>
+            <p:ph type="body" idx="1"/>
+          </p:nvPr>
+        </p:nvSpPr>
+        <p:spPr/>
+        <p:txBody>
+          <a:bodyPr/>
+          <a:lstStyle/>
+          <a:p>
+            <a:endParaRPr kumimoji="1" lang="ja-JP" altLang="en-US"/>
+          </a:p>
+        </p:txBody>
+      </p:sp>
+      <p:sp>
+        <p:nvSpPr>
+          <p:cNvPr id="4" name="スライド番号プレースホルダー 3"/>
+          <p:cNvSpPr>
+            <a:spLocks noGrp="1"/>
+          </p:cNvSpPr>
+          <p:nvPr>
+            <p:ph type="sldNum" sz="quarter" idx="5"/>
+          </p:nvPr>
+        </p:nvSpPr>
+        <p:spPr/>
+        <p:txBody>
+          <a:bodyPr/>
+          <a:lstStyle/>
+          <a:p>
+            <a:fld id="{C3A3D0D0-C60C-FA4D-8D26-826E2C8C62E6}" type="slidenum">
+              <a:rPr lang="en-US" altLang="ja-JP"/>
+              <a:t>6</a:t>
+            </a:fld>
+            <a:endParaRPr kumimoji="1" lang="ja-JP" altLang="en-US"/>
+          </a:p>
+        </p:txBody>
+      </p:sp>
+    </p:spTree>
+    <p:extLst>
+      <p:ext uri="{BB962C8B-B14F-4D97-AF65-F5344CB8AC3E}">
+        <p14:creationId xmlns:p14="http://schemas.microsoft.com/office/powerpoint/2010/main" val="1700913457"/>
+      </p:ext>
+    </p:extLst>
+  </p:cSld>
+  <p:clrMapOvr>
+    <a:masterClrMapping/>
+  </p:clrMapOvr>
+</p:notes>
+</file>
+
 <file path=ppt/slideLayouts/slideLayout1.xml><?xml version="1.0" encoding="utf-8"?>
 <p:sldLayout xmlns:a="http://schemas.openxmlformats.org/drawingml/2006/main" xmlns:r="http://schemas.openxmlformats.org/officeDocument/2006/relationships" xmlns:p="http://schemas.openxmlformats.org/presentationml/2006/main" type="title" preserve="1">
   <p:cSld name="タイトル スライド">
@@ -5193,7 +6374,7 @@
           <a:lstStyle/>
           <a:p>
             <a:fld id="{CADD3BE6-B3D9-FC42-8955-F6AE34EE5C77}" type="datetimeFigureOut">
-              <a:t>2023/7/29</a:t>
+              <a:t>2023/7/30</a:t>
             </a:fld>
             <a:endParaRPr kumimoji="1" lang="ja-JP" altLang="en-US"/>
           </a:p>
@@ -5421,7 +6602,7 @@
           <a:lstStyle/>
           <a:p>
             <a:fld id="{CADD3BE6-B3D9-FC42-8955-F6AE34EE5C77}" type="datetimeFigureOut">
-              <a:t>2023/7/29</a:t>
+              <a:t>2023/7/30</a:t>
             </a:fld>
             <a:endParaRPr kumimoji="1" lang="ja-JP" altLang="en-US"/>
           </a:p>
@@ -5659,7 +6840,7 @@
           <a:lstStyle/>
           <a:p>
             <a:fld id="{CADD3BE6-B3D9-FC42-8955-F6AE34EE5C77}" type="datetimeFigureOut">
-              <a:t>2023/7/29</a:t>
+              <a:t>2023/7/30</a:t>
             </a:fld>
             <a:endParaRPr kumimoji="1" lang="ja-JP" altLang="en-US"/>
           </a:p>
@@ -5887,7 +7068,7 @@
           <a:lstStyle/>
           <a:p>
             <a:fld id="{CADD3BE6-B3D9-FC42-8955-F6AE34EE5C77}" type="datetimeFigureOut">
-              <a:t>2023/7/29</a:t>
+              <a:t>2023/7/30</a:t>
             </a:fld>
             <a:endParaRPr kumimoji="1" lang="ja-JP" altLang="en-US"/>
           </a:p>
@@ -6160,7 +7341,7 @@
           <a:lstStyle/>
           <a:p>
             <a:fld id="{CADD3BE6-B3D9-FC42-8955-F6AE34EE5C77}" type="datetimeFigureOut">
-              <a:t>2023/7/29</a:t>
+              <a:t>2023/7/30</a:t>
             </a:fld>
             <a:endParaRPr kumimoji="1" lang="ja-JP" altLang="en-US"/>
           </a:p>
@@ -6487,7 +7668,7 @@
           <a:lstStyle/>
           <a:p>
             <a:fld id="{CADD3BE6-B3D9-FC42-8955-F6AE34EE5C77}" type="datetimeFigureOut">
-              <a:t>2023/7/29</a:t>
+              <a:t>2023/7/30</a:t>
             </a:fld>
             <a:endParaRPr kumimoji="1" lang="ja-JP" altLang="en-US"/>
           </a:p>
@@ -6961,7 +8142,7 @@
           <a:lstStyle/>
           <a:p>
             <a:fld id="{CADD3BE6-B3D9-FC42-8955-F6AE34EE5C77}" type="datetimeFigureOut">
-              <a:t>2023/7/29</a:t>
+              <a:t>2023/7/30</a:t>
             </a:fld>
             <a:endParaRPr kumimoji="1" lang="ja-JP" altLang="en-US"/>
           </a:p>
@@ -7100,7 +8281,7 @@
           <a:lstStyle/>
           <a:p>
             <a:fld id="{CADD3BE6-B3D9-FC42-8955-F6AE34EE5C77}" type="datetimeFigureOut">
-              <a:t>2023/7/29</a:t>
+              <a:t>2023/7/30</a:t>
             </a:fld>
             <a:endParaRPr kumimoji="1" lang="ja-JP" altLang="en-US"/>
           </a:p>
@@ -7211,7 +8392,7 @@
           <a:lstStyle/>
           <a:p>
             <a:fld id="{CADD3BE6-B3D9-FC42-8955-F6AE34EE5C77}" type="datetimeFigureOut">
-              <a:t>2023/7/29</a:t>
+              <a:t>2023/7/30</a:t>
             </a:fld>
             <a:endParaRPr kumimoji="1" lang="ja-JP" altLang="en-US"/>
           </a:p>
@@ -7552,7 +8733,7 @@
           <a:lstStyle/>
           <a:p>
             <a:fld id="{CADD3BE6-B3D9-FC42-8955-F6AE34EE5C77}" type="datetimeFigureOut">
-              <a:t>2023/7/29</a:t>
+              <a:t>2023/7/30</a:t>
             </a:fld>
             <a:endParaRPr kumimoji="1" lang="ja-JP" altLang="en-US"/>
           </a:p>
@@ -7838,7 +9019,7 @@
           <a:lstStyle/>
           <a:p>
             <a:fld id="{CADD3BE6-B3D9-FC42-8955-F6AE34EE5C77}" type="datetimeFigureOut">
-              <a:t>2023/7/29</a:t>
+              <a:t>2023/7/30</a:t>
             </a:fld>
             <a:endParaRPr kumimoji="1" lang="ja-JP" altLang="en-US"/>
           </a:p>
@@ -8109,7 +9290,7 @@
           </a:lstStyle>
           <a:p>
             <a:fld id="{CADD3BE6-B3D9-FC42-8955-F6AE34EE5C77}" type="datetimeFigureOut">
-              <a:t>2023/7/29</a:t>
+              <a:t>2023/7/30</a:t>
             </a:fld>
             <a:endParaRPr kumimoji="1" lang="ja-JP" altLang="en-US"/>
           </a:p>
@@ -9136,7 +10317,7 @@
             </a:br>
             <a:r>
               <a:rPr kumimoji="1" lang="en-US" altLang="ja-JP" sz="1200"/>
-              <a:t>5000</a:t>
+              <a:t>5136</a:t>
             </a:r>
             <a:r>
               <a:rPr kumimoji="1" lang="ja-JP" altLang="en-US" sz="1200"/>
@@ -10075,7 +11256,7 @@
             <a:pPr algn="ctr"/>
             <a:r>
               <a:rPr kumimoji="1" lang="en" altLang="ja-JP" sz="1000"/>
-              <a:t>[Standish 94] Standish Group Chaos. Standish Group Inc, 1994</a:t>
+              <a:t>Standish Group Chaos. Standish Group Inc, 1994</a:t>
             </a:r>
             <a:endParaRPr kumimoji="1" lang="ja-JP" altLang="en-US" sz="1000"/>
           </a:p>
@@ -10190,7 +11371,7 @@
           <p:cNvPr id="4" name="テキスト ボックス 3">
             <a:extLst>
               <a:ext uri="{FF2B5EF4-FFF2-40B4-BE49-F238E27FC236}">
-                <a16:creationId xmlns:a16="http://schemas.microsoft.com/office/drawing/2014/main" id="{6536A8F0-3DFB-F70B-6125-C9AE499D8730}"/>
+                <a16:creationId xmlns:a16="http://schemas.microsoft.com/office/drawing/2014/main" id="{D91DDF39-DB41-40A0-34F5-2A4FF362F98E}"/>
               </a:ext>
             </a:extLst>
           </p:cNvPr>
@@ -10200,519 +11381,6 @@
         <p:spPr>
           <a:xfrm>
             <a:off x="125186" y="120212"/>
-            <a:ext cx="11941628" cy="1077218"/>
-          </a:xfrm>
-          <a:prstGeom prst="rect">
-            <a:avLst/>
-          </a:prstGeom>
-          <a:noFill/>
-        </p:spPr>
-        <p:txBody>
-          <a:bodyPr wrap="square" rtlCol="0">
-            <a:spAutoFit/>
-          </a:bodyPr>
-          <a:lstStyle/>
-          <a:p>
-            <a:r>
-              <a:rPr lang="ja-JP" altLang="en-US" sz="1600"/>
-              <a:t>プロジェクト計画ではスケジュールと工数をどれだけ要求アクティビティに割り当てるかを判断する必要がある。一般的に、小規模プロジェクトでは全体の工数の</a:t>
-            </a:r>
-            <a:r>
-              <a:rPr lang="en-US" altLang="ja-JP" sz="1600"/>
-              <a:t>15%</a:t>
-            </a:r>
-            <a:r>
-              <a:rPr lang="ja-JP" altLang="en-US" sz="1600"/>
-              <a:t>から</a:t>
-            </a:r>
-            <a:r>
-              <a:rPr lang="en-US" altLang="ja-JP" sz="1600"/>
-              <a:t>18%</a:t>
-            </a:r>
-            <a:r>
-              <a:rPr lang="ja-JP" altLang="en-US" sz="1600"/>
-              <a:t>を要求の作業に充てることが提案されている（</a:t>
-            </a:r>
-            <a:r>
-              <a:rPr lang="en" altLang="ja-JP" sz="1600"/>
-              <a:t>Wiegers 1996</a:t>
-            </a:r>
-            <a:r>
-              <a:rPr lang="ja-JP" altLang="en" sz="1600"/>
-              <a:t>）。</a:t>
-            </a:r>
-            <a:r>
-              <a:rPr lang="ja-JP" altLang="en-US" sz="1600"/>
-              <a:t>ただし、プロジェクトの規模や複雑さによって適切な割合は異なる。要求の理解に時間をかけることでプロジェクトが遅れるという意見もあるが、実際には要求を十分に理解することが開発を加速する要因となることが多くの証拠で示されている。以下に具体例を示す。</a:t>
-            </a:r>
-          </a:p>
-        </p:txBody>
-      </p:sp>
-      <p:sp>
-        <p:nvSpPr>
-          <p:cNvPr id="6" name="テキスト ボックス 5">
-            <a:extLst>
-              <a:ext uri="{FF2B5EF4-FFF2-40B4-BE49-F238E27FC236}">
-                <a16:creationId xmlns:a16="http://schemas.microsoft.com/office/drawing/2014/main" id="{CF68A7DF-224C-090C-1DDB-CDA6445B0055}"/>
-              </a:ext>
-            </a:extLst>
-          </p:cNvPr>
-          <p:cNvSpPr txBox="1"/>
-          <p:nvPr/>
-        </p:nvSpPr>
-        <p:spPr>
-          <a:xfrm>
-            <a:off x="125182" y="1226319"/>
-            <a:ext cx="11941628" cy="2554545"/>
-          </a:xfrm>
-          <a:prstGeom prst="rect">
-            <a:avLst/>
-          </a:prstGeom>
-          <a:noFill/>
-        </p:spPr>
-        <p:txBody>
-          <a:bodyPr wrap="square" rtlCol="0">
-            <a:spAutoFit/>
-          </a:bodyPr>
-          <a:lstStyle/>
-          <a:p>
-            <a:pPr marL="285750" indent="-285750">
-              <a:buFont typeface="Wingdings" pitchFamily="2" charset="2"/>
-              <a:buChar char="n"/>
-            </a:pPr>
-            <a:r>
-              <a:rPr lang="ja-JP" altLang="en-US" sz="1600"/>
-              <a:t>電気通信および銀行業界の</a:t>
-            </a:r>
-            <a:r>
-              <a:rPr lang="en-US" altLang="ja-JP" sz="1600"/>
-              <a:t>15</a:t>
-            </a:r>
-            <a:r>
-              <a:rPr lang="ja-JP" altLang="en-US" sz="1600"/>
-              <a:t>のプロジェクトを調査した結果によると、最も成功したプロジェクトでは、要求の引き出し、モデリング、妥当性確認、および検証にリソースの</a:t>
-            </a:r>
-            <a:r>
-              <a:rPr lang="en-US" altLang="ja-JP" sz="1600"/>
-              <a:t>28%</a:t>
-            </a:r>
-            <a:r>
-              <a:rPr lang="ja-JP" altLang="en-US" sz="1600"/>
-              <a:t>を使用していた </a:t>
-            </a:r>
-            <a:r>
-              <a:rPr lang="en-US" altLang="ja-JP" sz="1600"/>
-              <a:t>(</a:t>
-            </a:r>
-            <a:r>
-              <a:rPr lang="en" altLang="ja-JP" sz="1600"/>
-              <a:t>Hofmann and Lehner 2001)</a:t>
-            </a:r>
-            <a:r>
-              <a:rPr lang="ja-JP" altLang="en" sz="1600"/>
-              <a:t>。 </a:t>
-            </a:r>
-            <a:r>
-              <a:rPr lang="ja-JP" altLang="en-US" sz="1600"/>
-              <a:t>プロジェクトの平均では、工数の</a:t>
-            </a:r>
-            <a:r>
-              <a:rPr lang="en-US" altLang="ja-JP" sz="1600"/>
-              <a:t>15.7%</a:t>
-            </a:r>
-            <a:r>
-              <a:rPr lang="ja-JP" altLang="en-US" sz="1600"/>
-              <a:t>とスケジュールの</a:t>
-            </a:r>
-            <a:r>
-              <a:rPr lang="en-US" altLang="ja-JP" sz="1600"/>
-              <a:t>38.6%</a:t>
-            </a:r>
-            <a:r>
-              <a:rPr lang="ja-JP" altLang="en-US" sz="1600"/>
-              <a:t>を、要求工学に費やしていた。</a:t>
-            </a:r>
-          </a:p>
-          <a:p>
-            <a:endParaRPr lang="ja-JP" altLang="en-US" sz="1600"/>
-          </a:p>
-          <a:p>
-            <a:pPr marL="285750" indent="-285750">
-              <a:buFont typeface="Wingdings" pitchFamily="2" charset="2"/>
-              <a:buChar char="n"/>
-            </a:pPr>
-            <a:r>
-              <a:rPr lang="en" altLang="ja-JP" sz="1600"/>
-              <a:t>NASA</a:t>
-            </a:r>
-            <a:r>
-              <a:rPr lang="ja-JP" altLang="en-US" sz="1600"/>
-              <a:t>のプロジェクトは、リソース全体の</a:t>
-            </a:r>
-            <a:r>
-              <a:rPr lang="en-US" altLang="ja-JP" sz="1600"/>
-              <a:t>10%</a:t>
-            </a:r>
-            <a:r>
-              <a:rPr lang="ja-JP" altLang="en-US" sz="1600"/>
-              <a:t>以上を要求開発に費やしたが、そのコストとスケジュールの超過は、要求にそれほど工数をかけなかったプロジェクトよりも実質的に少なかった </a:t>
-            </a:r>
-            <a:r>
-              <a:rPr lang="en-US" altLang="ja-JP" sz="1600"/>
-              <a:t>(</a:t>
-            </a:r>
-            <a:r>
-              <a:rPr lang="en" altLang="ja-JP" sz="1600"/>
-              <a:t>Hooks and Farry 2001)</a:t>
-            </a:r>
-            <a:r>
-              <a:rPr lang="ja-JP" altLang="en" sz="1600"/>
-              <a:t>。</a:t>
-            </a:r>
-          </a:p>
-          <a:p>
-            <a:endParaRPr lang="ja-JP" altLang="en" sz="1600"/>
-          </a:p>
-          <a:p>
-            <a:pPr marL="285750" indent="-285750">
-              <a:buFont typeface="Wingdings" pitchFamily="2" charset="2"/>
-              <a:buChar char="n"/>
-            </a:pPr>
-            <a:r>
-              <a:rPr lang="ja-JP" altLang="en-US" sz="1600"/>
-              <a:t>ヨーロッパの調査によると、プロジェクトを速く開発したチームは、遅いチームよりも、多くのスケジュールと工数を要求に使用していた。これを以下表に示す </a:t>
-            </a:r>
-            <a:r>
-              <a:rPr lang="en-US" altLang="ja-JP" sz="1600"/>
-              <a:t>(</a:t>
-            </a:r>
-            <a:r>
-              <a:rPr lang="en" altLang="ja-JP" sz="1600"/>
-              <a:t>Blackburn, Scudder, and Van Wassenhove 1996).</a:t>
-            </a:r>
-          </a:p>
-          <a:p>
-            <a:endParaRPr lang="ja-JP" altLang="en-US" sz="1600"/>
-          </a:p>
-        </p:txBody>
-      </p:sp>
-      <p:graphicFrame>
-        <p:nvGraphicFramePr>
-          <p:cNvPr id="7" name="表 7">
-            <a:extLst>
-              <a:ext uri="{FF2B5EF4-FFF2-40B4-BE49-F238E27FC236}">
-                <a16:creationId xmlns:a16="http://schemas.microsoft.com/office/drawing/2014/main" id="{B36B2830-CB77-CD28-21F9-849E4A07A8FA}"/>
-              </a:ext>
-            </a:extLst>
-          </p:cNvPr>
-          <p:cNvGraphicFramePr>
-            <a:graphicFrameLocks noGrp="1"/>
-          </p:cNvGraphicFramePr>
-          <p:nvPr>
-            <p:extLst>
-              <p:ext uri="{D42A27DB-BD31-4B8C-83A1-F6EECF244321}">
-                <p14:modId xmlns:p14="http://schemas.microsoft.com/office/powerpoint/2010/main" val="1227032476"/>
-              </p:ext>
-            </p:extLst>
-          </p:nvPr>
-        </p:nvGraphicFramePr>
-        <p:xfrm>
-          <a:off x="957818" y="3552265"/>
-          <a:ext cx="10276353" cy="1112520"/>
-        </p:xfrm>
-        <a:graphic>
-          <a:graphicData uri="http://schemas.openxmlformats.org/drawingml/2006/table">
-            <a:tbl>
-              <a:tblPr firstRow="1" bandRow="1">
-                <a:tableStyleId>{F2DE63D5-997A-4646-A377-4702673A728D}</a:tableStyleId>
-              </a:tblPr>
-              <a:tblGrid>
-                <a:gridCol w="3425451">
-                  <a:extLst>
-                    <a:ext uri="{9D8B030D-6E8A-4147-A177-3AD203B41FA5}">
-                      <a16:colId xmlns:a16="http://schemas.microsoft.com/office/drawing/2014/main" val="2941445531"/>
-                    </a:ext>
-                  </a:extLst>
-                </a:gridCol>
-                <a:gridCol w="3425451">
-                  <a:extLst>
-                    <a:ext uri="{9D8B030D-6E8A-4147-A177-3AD203B41FA5}">
-                      <a16:colId xmlns:a16="http://schemas.microsoft.com/office/drawing/2014/main" val="2110656568"/>
-                    </a:ext>
-                  </a:extLst>
-                </a:gridCol>
-                <a:gridCol w="3425451">
-                  <a:extLst>
-                    <a:ext uri="{9D8B030D-6E8A-4147-A177-3AD203B41FA5}">
-                      <a16:colId xmlns:a16="http://schemas.microsoft.com/office/drawing/2014/main" val="3944438070"/>
-                    </a:ext>
-                  </a:extLst>
-                </a:gridCol>
-              </a:tblGrid>
-              <a:tr h="370840">
-                <a:tc>
-                  <a:txBody>
-                    <a:bodyPr/>
-                    <a:lstStyle/>
-                    <a:p>
-                      <a:endParaRPr kumimoji="1" lang="ja-JP" altLang="en-US"/>
-                    </a:p>
-                  </a:txBody>
-                  <a:tcPr/>
-                </a:tc>
-                <a:tc>
-                  <a:txBody>
-                    <a:bodyPr/>
-                    <a:lstStyle/>
-                    <a:p>
-                      <a:r>
-                        <a:rPr kumimoji="1" lang="ja-JP" altLang="en-US"/>
-                        <a:t>要求に費やした工数</a:t>
-                      </a:r>
-                    </a:p>
-                  </a:txBody>
-                  <a:tcPr/>
-                </a:tc>
-                <a:tc>
-                  <a:txBody>
-                    <a:bodyPr/>
-                    <a:lstStyle/>
-                    <a:p>
-                      <a:r>
-                        <a:rPr kumimoji="1" lang="ja-JP" altLang="en-US"/>
-                        <a:t>要求に費やしたスケジュール</a:t>
-                      </a:r>
-                    </a:p>
-                  </a:txBody>
-                  <a:tcPr/>
-                </a:tc>
-                <a:extLst>
-                  <a:ext uri="{0D108BD9-81ED-4DB2-BD59-A6C34878D82A}">
-                    <a16:rowId xmlns:a16="http://schemas.microsoft.com/office/drawing/2014/main" val="634549083"/>
-                  </a:ext>
-                </a:extLst>
-              </a:tr>
-              <a:tr h="370840">
-                <a:tc>
-                  <a:txBody>
-                    <a:bodyPr/>
-                    <a:lstStyle/>
-                    <a:p>
-                      <a:r>
-                        <a:rPr kumimoji="1" lang="ja-JP" altLang="en-US"/>
-                        <a:t>速いプロジェクト</a:t>
-                      </a:r>
-                    </a:p>
-                  </a:txBody>
-                  <a:tcPr/>
-                </a:tc>
-                <a:tc>
-                  <a:txBody>
-                    <a:bodyPr/>
-                    <a:lstStyle/>
-                    <a:p>
-                      <a:r>
-                        <a:rPr kumimoji="1" lang="en-US" altLang="ja-JP"/>
-                        <a:t>14%</a:t>
-                      </a:r>
-                      <a:endParaRPr kumimoji="1" lang="ja-JP" altLang="en-US"/>
-                    </a:p>
-                  </a:txBody>
-                  <a:tcPr/>
-                </a:tc>
-                <a:tc>
-                  <a:txBody>
-                    <a:bodyPr/>
-                    <a:lstStyle/>
-                    <a:p>
-                      <a:r>
-                        <a:rPr kumimoji="1" lang="en-US" altLang="ja-JP"/>
-                        <a:t>17%</a:t>
-                      </a:r>
-                      <a:endParaRPr kumimoji="1" lang="ja-JP" altLang="en-US"/>
-                    </a:p>
-                  </a:txBody>
-                  <a:tcPr/>
-                </a:tc>
-                <a:extLst>
-                  <a:ext uri="{0D108BD9-81ED-4DB2-BD59-A6C34878D82A}">
-                    <a16:rowId xmlns:a16="http://schemas.microsoft.com/office/drawing/2014/main" val="996276723"/>
-                  </a:ext>
-                </a:extLst>
-              </a:tr>
-              <a:tr h="370840">
-                <a:tc>
-                  <a:txBody>
-                    <a:bodyPr/>
-                    <a:lstStyle/>
-                    <a:p>
-                      <a:r>
-                        <a:rPr kumimoji="1" lang="ja-JP" altLang="en-US"/>
-                        <a:t>遅いプロジェクト</a:t>
-                      </a:r>
-                    </a:p>
-                  </a:txBody>
-                  <a:tcPr/>
-                </a:tc>
-                <a:tc>
-                  <a:txBody>
-                    <a:bodyPr/>
-                    <a:lstStyle/>
-                    <a:p>
-                      <a:r>
-                        <a:rPr kumimoji="1" lang="en-US" altLang="ja-JP"/>
-                        <a:t>7%</a:t>
-                      </a:r>
-                      <a:endParaRPr kumimoji="1" lang="ja-JP" altLang="en-US"/>
-                    </a:p>
-                  </a:txBody>
-                  <a:tcPr/>
-                </a:tc>
-                <a:tc>
-                  <a:txBody>
-                    <a:bodyPr/>
-                    <a:lstStyle/>
-                    <a:p>
-                      <a:r>
-                        <a:rPr kumimoji="1" lang="en-US" altLang="ja-JP"/>
-                        <a:t>9%</a:t>
-                      </a:r>
-                      <a:endParaRPr kumimoji="1" lang="ja-JP" altLang="en-US"/>
-                    </a:p>
-                  </a:txBody>
-                  <a:tcPr/>
-                </a:tc>
-                <a:extLst>
-                  <a:ext uri="{0D108BD9-81ED-4DB2-BD59-A6C34878D82A}">
-                    <a16:rowId xmlns:a16="http://schemas.microsoft.com/office/drawing/2014/main" val="4280139360"/>
-                  </a:ext>
-                </a:extLst>
-              </a:tr>
-            </a:tbl>
-          </a:graphicData>
-        </a:graphic>
-      </p:graphicFrame>
-      <p:sp>
-        <p:nvSpPr>
-          <p:cNvPr id="8" name="テキスト ボックス 7">
-            <a:extLst>
-              <a:ext uri="{FF2B5EF4-FFF2-40B4-BE49-F238E27FC236}">
-                <a16:creationId xmlns:a16="http://schemas.microsoft.com/office/drawing/2014/main" id="{DC5A14DC-7B25-7B57-A007-5094C1C1BA23}"/>
-              </a:ext>
-            </a:extLst>
-          </p:cNvPr>
-          <p:cNvSpPr txBox="1"/>
-          <p:nvPr/>
-        </p:nvSpPr>
-        <p:spPr>
-          <a:xfrm>
-            <a:off x="125179" y="5996226"/>
-            <a:ext cx="11941629" cy="861774"/>
-          </a:xfrm>
-          <a:prstGeom prst="rect">
-            <a:avLst/>
-          </a:prstGeom>
-          <a:noFill/>
-        </p:spPr>
-        <p:txBody>
-          <a:bodyPr wrap="square" rtlCol="0">
-            <a:spAutoFit/>
-          </a:bodyPr>
-          <a:lstStyle/>
-          <a:p>
-            <a:r>
-              <a:rPr kumimoji="1" lang="en-US" altLang="ja-JP" sz="1000"/>
-              <a:t>[</a:t>
-            </a:r>
-            <a:r>
-              <a:rPr lang="en" altLang="ja-JP" sz="1000"/>
-              <a:t>Wiegers 1996</a:t>
-            </a:r>
-            <a:r>
-              <a:rPr kumimoji="1" lang="en-US" altLang="ja-JP" sz="1000"/>
-              <a:t>] Wiegers, Karl E. 1996. Creating a Software Engineering Culture. New York: Dorset House Publishing. </a:t>
-            </a:r>
-            <a:r>
-              <a:rPr kumimoji="1" lang="ja-JP" altLang="en-US" sz="1000"/>
-              <a:t>邦訳</a:t>
-            </a:r>
-            <a:r>
-              <a:rPr kumimoji="1" lang="en-US" altLang="ja-JP" sz="1000"/>
-              <a:t>『</a:t>
-            </a:r>
-            <a:r>
-              <a:rPr kumimoji="1" lang="ja-JP" altLang="en-US" sz="1000"/>
-              <a:t>ソフトウェア開発の持つべき文化</a:t>
-            </a:r>
-            <a:r>
-              <a:rPr kumimoji="1" lang="en-US" altLang="ja-JP" sz="1000"/>
-              <a:t>』 2005</a:t>
-            </a:r>
-            <a:r>
-              <a:rPr kumimoji="1" lang="ja-JP" altLang="en-US" sz="1000"/>
-              <a:t>年、 滝沢徹、 牧野祐子訳、 翔泳社</a:t>
-            </a:r>
-            <a:endParaRPr kumimoji="1" lang="en-US" altLang="ja-JP" sz="1000"/>
-          </a:p>
-          <a:p>
-            <a:r>
-              <a:rPr kumimoji="1" lang="en-US" altLang="ja-JP" sz="1000"/>
-              <a:t>[</a:t>
-            </a:r>
-            <a:r>
-              <a:rPr lang="en" altLang="ja-JP" sz="1000"/>
-              <a:t>Hofmann and Lehner 2001</a:t>
-            </a:r>
-            <a:r>
-              <a:rPr kumimoji="1" lang="en-US" altLang="ja-JP" sz="1000"/>
-              <a:t>] Hofmann, Hubert F., and Franz Lehner. 2001. "Requirements Engineering as a Success Factor in Software Projects." IEEE Software 18(4):58-66.</a:t>
-            </a:r>
-          </a:p>
-          <a:p>
-            <a:r>
-              <a:rPr kumimoji="1" lang="en-US" altLang="ja-JP" sz="1000"/>
-              <a:t>[</a:t>
-            </a:r>
-            <a:r>
-              <a:rPr lang="en" altLang="ja-JP" sz="1000"/>
-              <a:t>Hooks and Farry 2001</a:t>
-            </a:r>
-            <a:r>
-              <a:rPr kumimoji="1" lang="en-US" altLang="ja-JP" sz="1000"/>
-              <a:t>] Hooks, Ivy F., and Kristin A. Farry. 2001. Customer-Centered Products: Creating Successful Products Through Smart Requirements Management. New York: AMACOM.</a:t>
-            </a:r>
-          </a:p>
-          <a:p>
-            <a:r>
-              <a:rPr kumimoji="1" lang="en-US" altLang="ja-JP" sz="1000"/>
-              <a:t>[</a:t>
-            </a:r>
-            <a:r>
-              <a:rPr lang="en" altLang="ja-JP" sz="1000"/>
-              <a:t>Blackburn, Scudder, and Van Wassenhove 1996</a:t>
-            </a:r>
-            <a:r>
-              <a:rPr kumimoji="1" lang="en-US" altLang="ja-JP" sz="1000"/>
-              <a:t>] Blackburn, Joseph D., Gary D. Scudder, and Luk N. Van Wassenhove. 1996. "Improving Speed and Productivity of Software Development: A Global Survey of Software Developers." IEEE Transactions on Software Engineering 22(12):875-885.</a:t>
-            </a:r>
-          </a:p>
-        </p:txBody>
-      </p:sp>
-      <p:sp>
-        <p:nvSpPr>
-          <p:cNvPr id="9" name="テキスト ボックス 8">
-            <a:extLst>
-              <a:ext uri="{FF2B5EF4-FFF2-40B4-BE49-F238E27FC236}">
-                <a16:creationId xmlns:a16="http://schemas.microsoft.com/office/drawing/2014/main" id="{C1DCB698-4DFF-AD9A-782A-95F05B40E004}"/>
-              </a:ext>
-            </a:extLst>
-          </p:cNvPr>
-          <p:cNvSpPr txBox="1"/>
-          <p:nvPr/>
-        </p:nvSpPr>
-        <p:spPr>
-          <a:xfrm>
-            <a:off x="125180" y="4915007"/>
             <a:ext cx="11941628" cy="830997"/>
           </a:xfrm>
           <a:prstGeom prst="rect">
@@ -10727,20 +11395,128 @@
           <a:lstStyle/>
           <a:p>
             <a:r>
-              <a:rPr lang="ja-JP" altLang="en" sz="1600"/>
-              <a:t>「</a:t>
+              <a:rPr lang="en-US" altLang="ja-JP" sz="1600"/>
+              <a:t>【</a:t>
             </a:r>
             <a:r>
               <a:rPr lang="ja-JP" altLang="en-US" sz="1600"/>
-              <a:t>分析マヒ」に気をつけること。要求を決定的で完璧なものにしようとして上流段階に膨大な工数を費やすプロジェクトは、 適切な時間枠では 役に立つ機能をほとんど提供できないことが多い。 とはいえ分析マヒにおびえて要求開発を避けてはならない。 妥当なバランスがこの両極端の間のどこかに存在する。</a:t>
-            </a:r>
+              <a:t>無駄な機能を作ってしまう</a:t>
+            </a:r>
+            <a:r>
+              <a:rPr lang="en-US" altLang="ja-JP" sz="1600"/>
+              <a:t>】</a:t>
+            </a:r>
+          </a:p>
+          <a:p>
+            <a:r>
+              <a:rPr lang="ja-JP" altLang="en-US" sz="1600"/>
+              <a:t>システムで実際に使われている機能は全体の</a:t>
+            </a:r>
+            <a:r>
+              <a:rPr lang="en-US" altLang="ja-JP" sz="1600"/>
+              <a:t>20</a:t>
+            </a:r>
+            <a:r>
+              <a:rPr lang="ja-JP" altLang="en-US" sz="1600"/>
+              <a:t>％程度であり、</a:t>
+            </a:r>
+            <a:r>
+              <a:rPr lang="en-US" altLang="ja-JP" sz="1600"/>
+              <a:t>64</a:t>
+            </a:r>
+            <a:r>
+              <a:rPr lang="ja-JP" altLang="en-US" sz="1600"/>
+              <a:t>％はなくてもほぼ困ることはない、という調査結果が</a:t>
+            </a:r>
+            <a:r>
+              <a:rPr lang="en-US" altLang="ja-JP" sz="1600"/>
+              <a:t>Standish</a:t>
+            </a:r>
+            <a:r>
+              <a:rPr lang="ja-JP" altLang="en-US" sz="1600"/>
+              <a:t>グループによる</a:t>
+            </a:r>
+            <a:r>
+              <a:rPr lang="en-US" altLang="ja-JP" sz="1600"/>
+              <a:t>Chaos</a:t>
+            </a:r>
+            <a:r>
+              <a:rPr lang="ja-JP" altLang="en-US" sz="1600"/>
+              <a:t>レポートとして報告された。</a:t>
+            </a:r>
+            <a:endParaRPr lang="en-US" altLang="ja-JP" sz="1600"/>
+          </a:p>
+        </p:txBody>
+      </p:sp>
+      <p:graphicFrame>
+        <p:nvGraphicFramePr>
+          <p:cNvPr id="2" name="グラフ 1">
+            <a:extLst>
+              <a:ext uri="{FF2B5EF4-FFF2-40B4-BE49-F238E27FC236}">
+                <a16:creationId xmlns:a16="http://schemas.microsoft.com/office/drawing/2014/main" id="{54464F44-A64C-54C3-243A-3434DA13626E}"/>
+              </a:ext>
+            </a:extLst>
+          </p:cNvPr>
+          <p:cNvGraphicFramePr/>
+          <p:nvPr>
+            <p:extLst>
+              <p:ext uri="{D42A27DB-BD31-4B8C-83A1-F6EECF244321}">
+                <p14:modId xmlns:p14="http://schemas.microsoft.com/office/powerpoint/2010/main" val="127036923"/>
+              </p:ext>
+            </p:extLst>
+          </p:nvPr>
+        </p:nvGraphicFramePr>
+        <p:xfrm>
+          <a:off x="2032000" y="951209"/>
+          <a:ext cx="8128000" cy="5418667"/>
+        </p:xfrm>
+        <a:graphic>
+          <a:graphicData uri="http://schemas.openxmlformats.org/drawingml/2006/chart">
+            <c:chart xmlns:c="http://schemas.openxmlformats.org/drawingml/2006/chart" xmlns:r="http://schemas.openxmlformats.org/officeDocument/2006/relationships" r:id="rId3"/>
+          </a:graphicData>
+        </a:graphic>
+      </p:graphicFrame>
+      <p:sp>
+        <p:nvSpPr>
+          <p:cNvPr id="3" name="テキスト ボックス 2">
+            <a:extLst>
+              <a:ext uri="{FF2B5EF4-FFF2-40B4-BE49-F238E27FC236}">
+                <a16:creationId xmlns:a16="http://schemas.microsoft.com/office/drawing/2014/main" id="{96B772DC-55A0-0576-F605-E75BA60DF0BD}"/>
+              </a:ext>
+            </a:extLst>
+          </p:cNvPr>
+          <p:cNvSpPr txBox="1"/>
+          <p:nvPr/>
+        </p:nvSpPr>
+        <p:spPr>
+          <a:xfrm>
+            <a:off x="125185" y="6515688"/>
+            <a:ext cx="11941629" cy="246221"/>
+          </a:xfrm>
+          <a:prstGeom prst="rect">
+            <a:avLst/>
+          </a:prstGeom>
+          <a:noFill/>
+        </p:spPr>
+        <p:txBody>
+          <a:bodyPr wrap="square" rtlCol="0">
+            <a:spAutoFit/>
+          </a:bodyPr>
+          <a:lstStyle/>
+          <a:p>
+            <a:pPr algn="ctr"/>
+            <a:r>
+              <a:rPr kumimoji="1" lang="en" altLang="ja-JP" sz="1000"/>
+              <a:t>Standish Group Chaos. Standish Group Inc, 2000</a:t>
+            </a:r>
+            <a:endParaRPr kumimoji="1" lang="ja-JP" altLang="en-US" sz="1000"/>
           </a:p>
         </p:txBody>
       </p:sp>
     </p:spTree>
     <p:extLst>
       <p:ext uri="{BB962C8B-B14F-4D97-AF65-F5344CB8AC3E}">
-        <p14:creationId xmlns:p14="http://schemas.microsoft.com/office/powerpoint/2010/main" val="3911957932"/>
+        <p14:creationId xmlns:p14="http://schemas.microsoft.com/office/powerpoint/2010/main" val="1620279034"/>
       </p:ext>
     </p:extLst>
   </p:cSld>
@@ -10772,7 +11548,7 @@
           <p:cNvPr id="4" name="テキスト ボックス 3">
             <a:extLst>
               <a:ext uri="{FF2B5EF4-FFF2-40B4-BE49-F238E27FC236}">
-                <a16:creationId xmlns:a16="http://schemas.microsoft.com/office/drawing/2014/main" id="{D91DDF39-DB41-40A0-34F5-2A4FF362F98E}"/>
+                <a16:creationId xmlns:a16="http://schemas.microsoft.com/office/drawing/2014/main" id="{6536A8F0-3DFB-F70B-6125-C9AE499D8730}"/>
               </a:ext>
             </a:extLst>
           </p:cNvPr>
@@ -10782,7 +11558,7 @@
         <p:spPr>
           <a:xfrm>
             <a:off x="125186" y="120212"/>
-            <a:ext cx="11941628" cy="584775"/>
+            <a:ext cx="11941628" cy="646331"/>
           </a:xfrm>
           <a:prstGeom prst="rect">
             <a:avLst/>
@@ -10796,33 +11572,635 @@
           <a:lstStyle/>
           <a:p>
             <a:r>
-              <a:rPr lang="ja-JP" altLang="en-US" sz="1600"/>
-              <a:t>要求工学のアクティビティは、さまざまな形をとってプロジェクト全体に分散して実施する。 この形はプロジェクトの開発ライフサイクルがシーケンシャル</a:t>
-            </a:r>
-            <a:r>
-              <a:rPr lang="en-US" altLang="ja-JP" sz="1600"/>
-              <a:t>(</a:t>
-            </a:r>
-            <a:r>
-              <a:rPr lang="ja-JP" altLang="en-US" sz="1600"/>
-              <a:t>ウォーターフォール</a:t>
-            </a:r>
-            <a:r>
-              <a:rPr lang="en-US" altLang="ja-JP" sz="1600"/>
-              <a:t>) </a:t>
-            </a:r>
-            <a:r>
-              <a:rPr lang="ja-JP" altLang="en-US" sz="1600"/>
-              <a:t>か、 イテレーティブか、インクリメンタルかによって変わる。</a:t>
-            </a:r>
-            <a:endParaRPr lang="en-US" altLang="ja-JP" sz="1600"/>
+              <a:rPr lang="ja-JP" altLang="en-US" sz="1200"/>
+              <a:t>プロジェクト計画ではスケジュールと工数をどれだけ要求アクティビティに割り当てるかを判断する必要がある。一般的に、小規模プロジェクトでは全体の工数の</a:t>
+            </a:r>
+            <a:r>
+              <a:rPr lang="en-US" altLang="ja-JP" sz="1200"/>
+              <a:t>15%</a:t>
+            </a:r>
+            <a:r>
+              <a:rPr lang="ja-JP" altLang="en-US" sz="1200"/>
+              <a:t>から</a:t>
+            </a:r>
+            <a:r>
+              <a:rPr lang="en-US" altLang="ja-JP" sz="1200"/>
+              <a:t>18%</a:t>
+            </a:r>
+            <a:r>
+              <a:rPr lang="ja-JP" altLang="en-US" sz="1200"/>
+              <a:t>を要求の作業に充てることが提案されている（</a:t>
+            </a:r>
+            <a:r>
+              <a:rPr lang="en" altLang="ja-JP" sz="1200"/>
+              <a:t>Wiegers 1996</a:t>
+            </a:r>
+            <a:r>
+              <a:rPr lang="ja-JP" altLang="en" sz="1200"/>
+              <a:t>）。</a:t>
+            </a:r>
+            <a:r>
+              <a:rPr lang="ja-JP" altLang="en-US" sz="1200"/>
+              <a:t>ただし、プロジェクトの規模や複雑さによって適切な割合は異なる。要求の理解に時間をかけることでプロジェクトが遅れるという意見もあるが、実際には要求を十分に理解することが開発を加速する要因となることが多くの証拠で示されている。以下に具体例を示す。</a:t>
+            </a:r>
           </a:p>
         </p:txBody>
       </p:sp>
+      <p:sp>
+        <p:nvSpPr>
+          <p:cNvPr id="6" name="テキスト ボックス 5">
+            <a:extLst>
+              <a:ext uri="{FF2B5EF4-FFF2-40B4-BE49-F238E27FC236}">
+                <a16:creationId xmlns:a16="http://schemas.microsoft.com/office/drawing/2014/main" id="{CF68A7DF-224C-090C-1DDB-CDA6445B0055}"/>
+              </a:ext>
+            </a:extLst>
+          </p:cNvPr>
+          <p:cNvSpPr txBox="1"/>
+          <p:nvPr/>
+        </p:nvSpPr>
+        <p:spPr>
+          <a:xfrm>
+            <a:off x="125182" y="763333"/>
+            <a:ext cx="11941628" cy="1754326"/>
+          </a:xfrm>
+          <a:prstGeom prst="rect">
+            <a:avLst/>
+          </a:prstGeom>
+          <a:noFill/>
+        </p:spPr>
+        <p:txBody>
+          <a:bodyPr wrap="square" rtlCol="0">
+            <a:spAutoFit/>
+          </a:bodyPr>
+          <a:lstStyle/>
+          <a:p>
+            <a:pPr marL="285750" indent="-285750">
+              <a:buFont typeface="Wingdings" pitchFamily="2" charset="2"/>
+              <a:buChar char="n"/>
+            </a:pPr>
+            <a:r>
+              <a:rPr lang="ja-JP" altLang="en-US" sz="1200"/>
+              <a:t>電気通信および銀行業界の</a:t>
+            </a:r>
+            <a:r>
+              <a:rPr lang="en-US" altLang="ja-JP" sz="1200"/>
+              <a:t>15</a:t>
+            </a:r>
+            <a:r>
+              <a:rPr lang="ja-JP" altLang="en-US" sz="1200"/>
+              <a:t>のプロジェクトを調査した結果によると、最も成功したプロジェクトでは、要求の引き出し、モデリング、妥当性確認、および検証にリソースの</a:t>
+            </a:r>
+            <a:r>
+              <a:rPr lang="en-US" altLang="ja-JP" sz="1200"/>
+              <a:t>28%</a:t>
+            </a:r>
+            <a:r>
+              <a:rPr lang="ja-JP" altLang="en-US" sz="1200"/>
+              <a:t>を使用していた </a:t>
+            </a:r>
+            <a:r>
+              <a:rPr lang="en-US" altLang="ja-JP" sz="1200"/>
+              <a:t>(</a:t>
+            </a:r>
+            <a:r>
+              <a:rPr lang="en" altLang="ja-JP" sz="1200"/>
+              <a:t>Hofmann and Lehner 2001)</a:t>
+            </a:r>
+            <a:r>
+              <a:rPr lang="ja-JP" altLang="en" sz="1200"/>
+              <a:t>。 </a:t>
+            </a:r>
+            <a:r>
+              <a:rPr lang="ja-JP" altLang="en-US" sz="1200"/>
+              <a:t>プロジェクトの平均では、工数の</a:t>
+            </a:r>
+            <a:r>
+              <a:rPr lang="en-US" altLang="ja-JP" sz="1200"/>
+              <a:t>15.7%</a:t>
+            </a:r>
+            <a:r>
+              <a:rPr lang="ja-JP" altLang="en-US" sz="1200"/>
+              <a:t>とスケジュールの</a:t>
+            </a:r>
+            <a:r>
+              <a:rPr lang="en-US" altLang="ja-JP" sz="1200"/>
+              <a:t>38.6%</a:t>
+            </a:r>
+            <a:r>
+              <a:rPr lang="ja-JP" altLang="en-US" sz="1200"/>
+              <a:t>を、要求工学に費やしていた。</a:t>
+            </a:r>
+          </a:p>
+          <a:p>
+            <a:endParaRPr lang="ja-JP" altLang="en-US" sz="1200"/>
+          </a:p>
+          <a:p>
+            <a:pPr marL="285750" indent="-285750">
+              <a:buFont typeface="Wingdings" pitchFamily="2" charset="2"/>
+              <a:buChar char="n"/>
+            </a:pPr>
+            <a:r>
+              <a:rPr lang="en" altLang="ja-JP" sz="1200"/>
+              <a:t>NASA</a:t>
+            </a:r>
+            <a:r>
+              <a:rPr lang="ja-JP" altLang="en-US" sz="1200"/>
+              <a:t>のプロジェクトは、リソース全体の</a:t>
+            </a:r>
+            <a:r>
+              <a:rPr lang="en-US" altLang="ja-JP" sz="1200"/>
+              <a:t>10%</a:t>
+            </a:r>
+            <a:r>
+              <a:rPr lang="ja-JP" altLang="en-US" sz="1200"/>
+              <a:t>以上を要求開発に費やしたが、そのコストとスケジュールの超過は、要求にそれほど工数をかけなかったプロジェクトよりも実質的に少なかった </a:t>
+            </a:r>
+            <a:r>
+              <a:rPr lang="en-US" altLang="ja-JP" sz="1200"/>
+              <a:t>(</a:t>
+            </a:r>
+            <a:r>
+              <a:rPr lang="en" altLang="ja-JP" sz="1200"/>
+              <a:t>Hooks and Farry 2001)</a:t>
+            </a:r>
+            <a:r>
+              <a:rPr lang="ja-JP" altLang="en" sz="1200"/>
+              <a:t>。</a:t>
+            </a:r>
+          </a:p>
+          <a:p>
+            <a:endParaRPr lang="ja-JP" altLang="en" sz="1200"/>
+          </a:p>
+          <a:p>
+            <a:pPr marL="285750" indent="-285750">
+              <a:buFont typeface="Wingdings" pitchFamily="2" charset="2"/>
+              <a:buChar char="n"/>
+            </a:pPr>
+            <a:r>
+              <a:rPr lang="ja-JP" altLang="en-US" sz="1200"/>
+              <a:t>ヨーロッパの調査によると、プロジェクトを速く開発したチームは、遅いチームよりも、多くのスケジュールと工数を要求に使用していた。これを以下表に示す </a:t>
+            </a:r>
+            <a:r>
+              <a:rPr lang="en-US" altLang="ja-JP" sz="1200"/>
+              <a:t>(</a:t>
+            </a:r>
+            <a:r>
+              <a:rPr lang="en" altLang="ja-JP" sz="1200"/>
+              <a:t>Blackburn, Scudder, and Van Wassenhove 1996).</a:t>
+            </a:r>
+          </a:p>
+          <a:p>
+            <a:endParaRPr lang="ja-JP" altLang="en-US" sz="1200"/>
+          </a:p>
+        </p:txBody>
+      </p:sp>
+      <p:graphicFrame>
+        <p:nvGraphicFramePr>
+          <p:cNvPr id="7" name="表 7">
+            <a:extLst>
+              <a:ext uri="{FF2B5EF4-FFF2-40B4-BE49-F238E27FC236}">
+                <a16:creationId xmlns:a16="http://schemas.microsoft.com/office/drawing/2014/main" id="{B36B2830-CB77-CD28-21F9-849E4A07A8FA}"/>
+              </a:ext>
+            </a:extLst>
+          </p:cNvPr>
+          <p:cNvGraphicFramePr>
+            <a:graphicFrameLocks noGrp="1"/>
+          </p:cNvGraphicFramePr>
+          <p:nvPr>
+            <p:extLst>
+              <p:ext uri="{D42A27DB-BD31-4B8C-83A1-F6EECF244321}">
+                <p14:modId xmlns:p14="http://schemas.microsoft.com/office/powerpoint/2010/main" val="3566915220"/>
+              </p:ext>
+            </p:extLst>
+          </p:nvPr>
+        </p:nvGraphicFramePr>
+        <p:xfrm>
+          <a:off x="2138437" y="2336923"/>
+          <a:ext cx="7642170" cy="777240"/>
+        </p:xfrm>
+        <a:graphic>
+          <a:graphicData uri="http://schemas.openxmlformats.org/drawingml/2006/table">
+            <a:tbl>
+              <a:tblPr firstRow="1" bandRow="1">
+                <a:tableStyleId>{F2DE63D5-997A-4646-A377-4702673A728D}</a:tableStyleId>
+              </a:tblPr>
+              <a:tblGrid>
+                <a:gridCol w="2547390">
+                  <a:extLst>
+                    <a:ext uri="{9D8B030D-6E8A-4147-A177-3AD203B41FA5}">
+                      <a16:colId xmlns:a16="http://schemas.microsoft.com/office/drawing/2014/main" val="2941445531"/>
+                    </a:ext>
+                  </a:extLst>
+                </a:gridCol>
+                <a:gridCol w="2547390">
+                  <a:extLst>
+                    <a:ext uri="{9D8B030D-6E8A-4147-A177-3AD203B41FA5}">
+                      <a16:colId xmlns:a16="http://schemas.microsoft.com/office/drawing/2014/main" val="2110656568"/>
+                    </a:ext>
+                  </a:extLst>
+                </a:gridCol>
+                <a:gridCol w="2547390">
+                  <a:extLst>
+                    <a:ext uri="{9D8B030D-6E8A-4147-A177-3AD203B41FA5}">
+                      <a16:colId xmlns:a16="http://schemas.microsoft.com/office/drawing/2014/main" val="3944438070"/>
+                    </a:ext>
+                  </a:extLst>
+                </a:gridCol>
+              </a:tblGrid>
+              <a:tr h="220248">
+                <a:tc>
+                  <a:txBody>
+                    <a:bodyPr/>
+                    <a:lstStyle/>
+                    <a:p>
+                      <a:endParaRPr kumimoji="1" lang="ja-JP" altLang="en-US" sz="1100"/>
+                    </a:p>
+                  </a:txBody>
+                  <a:tcPr/>
+                </a:tc>
+                <a:tc>
+                  <a:txBody>
+                    <a:bodyPr/>
+                    <a:lstStyle/>
+                    <a:p>
+                      <a:r>
+                        <a:rPr kumimoji="1" lang="ja-JP" altLang="en-US" sz="1100"/>
+                        <a:t>要求に費やした工数</a:t>
+                      </a:r>
+                    </a:p>
+                  </a:txBody>
+                  <a:tcPr/>
+                </a:tc>
+                <a:tc>
+                  <a:txBody>
+                    <a:bodyPr/>
+                    <a:lstStyle/>
+                    <a:p>
+                      <a:r>
+                        <a:rPr kumimoji="1" lang="ja-JP" altLang="en-US" sz="1100"/>
+                        <a:t>要求に費やしたスケジュール</a:t>
+                      </a:r>
+                    </a:p>
+                  </a:txBody>
+                  <a:tcPr/>
+                </a:tc>
+                <a:extLst>
+                  <a:ext uri="{0D108BD9-81ED-4DB2-BD59-A6C34878D82A}">
+                    <a16:rowId xmlns:a16="http://schemas.microsoft.com/office/drawing/2014/main" val="634549083"/>
+                  </a:ext>
+                </a:extLst>
+              </a:tr>
+              <a:tr h="220248">
+                <a:tc>
+                  <a:txBody>
+                    <a:bodyPr/>
+                    <a:lstStyle/>
+                    <a:p>
+                      <a:r>
+                        <a:rPr kumimoji="1" lang="ja-JP" altLang="en-US" sz="1100"/>
+                        <a:t>速いプロジェクト</a:t>
+                      </a:r>
+                    </a:p>
+                  </a:txBody>
+                  <a:tcPr/>
+                </a:tc>
+                <a:tc>
+                  <a:txBody>
+                    <a:bodyPr/>
+                    <a:lstStyle/>
+                    <a:p>
+                      <a:r>
+                        <a:rPr kumimoji="1" lang="en-US" altLang="ja-JP" sz="1100"/>
+                        <a:t>14%</a:t>
+                      </a:r>
+                      <a:endParaRPr kumimoji="1" lang="ja-JP" altLang="en-US" sz="1100"/>
+                    </a:p>
+                  </a:txBody>
+                  <a:tcPr/>
+                </a:tc>
+                <a:tc>
+                  <a:txBody>
+                    <a:bodyPr/>
+                    <a:lstStyle/>
+                    <a:p>
+                      <a:r>
+                        <a:rPr kumimoji="1" lang="en-US" altLang="ja-JP" sz="1100"/>
+                        <a:t>17%</a:t>
+                      </a:r>
+                      <a:endParaRPr kumimoji="1" lang="ja-JP" altLang="en-US" sz="1100"/>
+                    </a:p>
+                  </a:txBody>
+                  <a:tcPr/>
+                </a:tc>
+                <a:extLst>
+                  <a:ext uri="{0D108BD9-81ED-4DB2-BD59-A6C34878D82A}">
+                    <a16:rowId xmlns:a16="http://schemas.microsoft.com/office/drawing/2014/main" val="996276723"/>
+                  </a:ext>
+                </a:extLst>
+              </a:tr>
+              <a:tr h="220248">
+                <a:tc>
+                  <a:txBody>
+                    <a:bodyPr/>
+                    <a:lstStyle/>
+                    <a:p>
+                      <a:r>
+                        <a:rPr kumimoji="1" lang="ja-JP" altLang="en-US" sz="1100"/>
+                        <a:t>遅いプロジェクト</a:t>
+                      </a:r>
+                    </a:p>
+                  </a:txBody>
+                  <a:tcPr/>
+                </a:tc>
+                <a:tc>
+                  <a:txBody>
+                    <a:bodyPr/>
+                    <a:lstStyle/>
+                    <a:p>
+                      <a:r>
+                        <a:rPr kumimoji="1" lang="en-US" altLang="ja-JP" sz="1100"/>
+                        <a:t>7%</a:t>
+                      </a:r>
+                      <a:endParaRPr kumimoji="1" lang="ja-JP" altLang="en-US" sz="1100"/>
+                    </a:p>
+                  </a:txBody>
+                  <a:tcPr/>
+                </a:tc>
+                <a:tc>
+                  <a:txBody>
+                    <a:bodyPr/>
+                    <a:lstStyle/>
+                    <a:p>
+                      <a:r>
+                        <a:rPr kumimoji="1" lang="en-US" altLang="ja-JP" sz="1100"/>
+                        <a:t>9%</a:t>
+                      </a:r>
+                      <a:endParaRPr kumimoji="1" lang="ja-JP" altLang="en-US" sz="1100"/>
+                    </a:p>
+                  </a:txBody>
+                  <a:tcPr/>
+                </a:tc>
+                <a:extLst>
+                  <a:ext uri="{0D108BD9-81ED-4DB2-BD59-A6C34878D82A}">
+                    <a16:rowId xmlns:a16="http://schemas.microsoft.com/office/drawing/2014/main" val="4280139360"/>
+                  </a:ext>
+                </a:extLst>
+              </a:tr>
+            </a:tbl>
+          </a:graphicData>
+        </a:graphic>
+      </p:graphicFrame>
+      <p:sp>
+        <p:nvSpPr>
+          <p:cNvPr id="8" name="テキスト ボックス 7">
+            <a:extLst>
+              <a:ext uri="{FF2B5EF4-FFF2-40B4-BE49-F238E27FC236}">
+                <a16:creationId xmlns:a16="http://schemas.microsoft.com/office/drawing/2014/main" id="{DC5A14DC-7B25-7B57-A007-5094C1C1BA23}"/>
+              </a:ext>
+            </a:extLst>
+          </p:cNvPr>
+          <p:cNvSpPr txBox="1"/>
+          <p:nvPr/>
+        </p:nvSpPr>
+        <p:spPr>
+          <a:xfrm>
+            <a:off x="125179" y="5996226"/>
+            <a:ext cx="11941629" cy="954107"/>
+          </a:xfrm>
+          <a:prstGeom prst="rect">
+            <a:avLst/>
+          </a:prstGeom>
+          <a:noFill/>
+        </p:spPr>
+        <p:txBody>
+          <a:bodyPr wrap="square" rtlCol="0">
+            <a:spAutoFit/>
+          </a:bodyPr>
+          <a:lstStyle/>
+          <a:p>
+            <a:r>
+              <a:rPr kumimoji="1" lang="en-US" altLang="ja-JP" sz="800"/>
+              <a:t>[</a:t>
+            </a:r>
+            <a:r>
+              <a:rPr lang="en" altLang="ja-JP" sz="800"/>
+              <a:t>Wiegers 1996</a:t>
+            </a:r>
+            <a:r>
+              <a:rPr kumimoji="1" lang="en-US" altLang="ja-JP" sz="800"/>
+              <a:t>] Wiegers, Karl E. 1996. Creating a Software Engineering Culture. New York: Dorset House Publishing. </a:t>
+            </a:r>
+            <a:r>
+              <a:rPr kumimoji="1" lang="ja-JP" altLang="en-US" sz="800"/>
+              <a:t>邦訳</a:t>
+            </a:r>
+            <a:r>
+              <a:rPr kumimoji="1" lang="en-US" altLang="ja-JP" sz="800"/>
+              <a:t>『</a:t>
+            </a:r>
+            <a:r>
+              <a:rPr kumimoji="1" lang="ja-JP" altLang="en-US" sz="800"/>
+              <a:t>ソフトウェア開発の持つべき文化</a:t>
+            </a:r>
+            <a:r>
+              <a:rPr kumimoji="1" lang="en-US" altLang="ja-JP" sz="800"/>
+              <a:t>』 2005</a:t>
+            </a:r>
+            <a:r>
+              <a:rPr kumimoji="1" lang="ja-JP" altLang="en-US" sz="800"/>
+              <a:t>年、 滝沢徹、 牧野祐子訳、 翔泳社</a:t>
+            </a:r>
+            <a:endParaRPr kumimoji="1" lang="en-US" altLang="ja-JP" sz="800"/>
+          </a:p>
+          <a:p>
+            <a:r>
+              <a:rPr kumimoji="1" lang="en-US" altLang="ja-JP" sz="800"/>
+              <a:t>[</a:t>
+            </a:r>
+            <a:r>
+              <a:rPr lang="en" altLang="ja-JP" sz="800"/>
+              <a:t>Hofmann and Lehner 2001</a:t>
+            </a:r>
+            <a:r>
+              <a:rPr kumimoji="1" lang="en-US" altLang="ja-JP" sz="800"/>
+              <a:t>] Hofmann, Hubert F., and Franz Lehner. 2001. "Requirements Engineering as a Success Factor in Software Projects." IEEE Software 18(4):58-66.</a:t>
+            </a:r>
+          </a:p>
+          <a:p>
+            <a:r>
+              <a:rPr kumimoji="1" lang="en-US" altLang="ja-JP" sz="800"/>
+              <a:t>[</a:t>
+            </a:r>
+            <a:r>
+              <a:rPr lang="en" altLang="ja-JP" sz="800"/>
+              <a:t>Hooks and Farry 2001</a:t>
+            </a:r>
+            <a:r>
+              <a:rPr kumimoji="1" lang="en-US" altLang="ja-JP" sz="800"/>
+              <a:t>] Hooks, Ivy F., and Kristin A. Farry. 2001. Customer-Centered Products: Creating Successful Products Through Smart Requirements Management. New York: AMACOM.</a:t>
+            </a:r>
+          </a:p>
+          <a:p>
+            <a:r>
+              <a:rPr kumimoji="1" lang="en-US" altLang="ja-JP" sz="800"/>
+              <a:t>[</a:t>
+            </a:r>
+            <a:r>
+              <a:rPr lang="en" altLang="ja-JP" sz="800"/>
+              <a:t>Blackburn, Scudder, and Van Wassenhove 1996</a:t>
+            </a:r>
+            <a:r>
+              <a:rPr kumimoji="1" lang="en-US" altLang="ja-JP" sz="800"/>
+              <a:t>] Blackburn, Joseph D., Gary D. Scudder, and Luk N. Van Wassenhove. 1996. "Improving Speed and Productivity of Software Development: A Global Survey of Software Developers." IEEE Transactions on Software Engineering 22(12):875-885.</a:t>
+            </a:r>
+          </a:p>
+          <a:p>
+            <a:r>
+              <a:rPr lang="en-US" altLang="ja-JP" sz="800"/>
+              <a:t>※5 </a:t>
+            </a:r>
+            <a:r>
+              <a:rPr kumimoji="1" lang="en-US" altLang="ja-JP" sz="800"/>
+              <a:t>Steve McConnell. 1998. Software Project Survival Guide: Microsoft Press. </a:t>
+            </a:r>
+            <a:r>
+              <a:rPr kumimoji="1" lang="ja-JP" altLang="en-US" sz="800"/>
+              <a:t>スティーブ・マコネル 「新訳 ソフトウェアプロジェクトサバイバルガイド</a:t>
+            </a:r>
+            <a:r>
+              <a:rPr kumimoji="1" lang="en-US" altLang="ja-JP" sz="800"/>
+              <a:t>』 </a:t>
+            </a:r>
+            <a:r>
+              <a:rPr kumimoji="1" lang="ja-JP" altLang="en-US" sz="800"/>
+              <a:t>アルテアジャパン、久手堅憲之 訳 </a:t>
+            </a:r>
+            <a:r>
+              <a:rPr kumimoji="1" lang="en-US" altLang="ja-JP" sz="800"/>
+              <a:t>(</a:t>
+            </a:r>
+            <a:r>
+              <a:rPr kumimoji="1" lang="ja-JP" altLang="en-US" sz="800"/>
+              <a:t>日経</a:t>
+            </a:r>
+            <a:r>
+              <a:rPr kumimoji="1" lang="en-US" altLang="ja-JP" sz="800"/>
+              <a:t>BP</a:t>
+            </a:r>
+            <a:r>
+              <a:rPr kumimoji="1" lang="ja-JP" altLang="en-US" sz="800"/>
+              <a:t>ソフトプレス、</a:t>
+            </a:r>
+            <a:r>
+              <a:rPr kumimoji="1" lang="en-US" altLang="ja-JP" sz="800"/>
+              <a:t>2005</a:t>
+            </a:r>
+            <a:r>
+              <a:rPr kumimoji="1" lang="ja-JP" altLang="en-US" sz="800"/>
+              <a:t>年</a:t>
+            </a:r>
+            <a:r>
+              <a:rPr kumimoji="1" lang="en-US" altLang="ja-JP" sz="800"/>
+              <a:t>)</a:t>
+            </a:r>
+          </a:p>
+          <a:p>
+            <a:endParaRPr kumimoji="1" lang="en-US" altLang="ja-JP" sz="800"/>
+          </a:p>
+        </p:txBody>
+      </p:sp>
+      <p:sp>
+        <p:nvSpPr>
+          <p:cNvPr id="9" name="テキスト ボックス 8">
+            <a:extLst>
+              <a:ext uri="{FF2B5EF4-FFF2-40B4-BE49-F238E27FC236}">
+                <a16:creationId xmlns:a16="http://schemas.microsoft.com/office/drawing/2014/main" id="{C1DCB698-4DFF-AD9A-782A-95F05B40E004}"/>
+              </a:ext>
+            </a:extLst>
+          </p:cNvPr>
+          <p:cNvSpPr txBox="1"/>
+          <p:nvPr/>
+        </p:nvSpPr>
+        <p:spPr>
+          <a:xfrm>
+            <a:off x="125179" y="3467406"/>
+            <a:ext cx="7583928" cy="1200329"/>
+          </a:xfrm>
+          <a:prstGeom prst="rect">
+            <a:avLst/>
+          </a:prstGeom>
+          <a:noFill/>
+        </p:spPr>
+        <p:txBody>
+          <a:bodyPr wrap="square" rtlCol="0">
+            <a:spAutoFit/>
+          </a:bodyPr>
+          <a:lstStyle/>
+          <a:p>
+            <a:r>
+              <a:rPr lang="ja-JP" altLang="en" sz="1200"/>
+              <a:t>「</a:t>
+            </a:r>
+            <a:r>
+              <a:rPr lang="ja-JP" altLang="en-US" sz="1200"/>
+              <a:t>分析マヒ」に気をつけること。要求を決定的で完璧なものにしようとして上流段階に膨大な工数を費やすプロジェクトは、 適切な時間枠では 役に立つ機能をほとんど提供できないことが多い。これはスティーブ・マコネルの不確実性コーン</a:t>
+            </a:r>
+            <a:r>
+              <a:rPr lang="en-US" altLang="ja-JP" sz="800"/>
+              <a:t>※5</a:t>
+            </a:r>
+            <a:r>
+              <a:rPr lang="ja-JP" altLang="en-US" sz="1200"/>
+              <a:t>に示される通りプロジェクトの初期では不確実性が高いことに起因する。</a:t>
+            </a:r>
+            <a:endParaRPr lang="en-US" altLang="ja-JP" sz="1200"/>
+          </a:p>
+          <a:p>
+            <a:r>
+              <a:rPr lang="ja-JP" altLang="en-US" sz="1200"/>
+              <a:t>とはいえ分析マヒにおびえて要求開発を避けてはならない。 妥当なバランスがこの両極端の間のどこかに存在する。</a:t>
+            </a:r>
+            <a:endParaRPr lang="en-US" altLang="ja-JP" sz="1200"/>
+          </a:p>
+          <a:p>
+            <a:endParaRPr lang="ja-JP" altLang="en-US" sz="1200"/>
+          </a:p>
+        </p:txBody>
+      </p:sp>
+      <p:pic>
+        <p:nvPicPr>
+          <p:cNvPr id="12" name="図 11">
+            <a:extLst>
+              <a:ext uri="{FF2B5EF4-FFF2-40B4-BE49-F238E27FC236}">
+                <a16:creationId xmlns:a16="http://schemas.microsoft.com/office/drawing/2014/main" id="{25FCC6BF-7E71-6689-5591-235E2FF49414}"/>
+              </a:ext>
+            </a:extLst>
+          </p:cNvPr>
+          <p:cNvPicPr>
+            <a:picLocks noChangeAspect="1"/>
+          </p:cNvPicPr>
+          <p:nvPr/>
+        </p:nvPicPr>
+        <p:blipFill>
+          <a:blip r:embed="rId3"/>
+          <a:stretch>
+            <a:fillRect/>
+          </a:stretch>
+        </p:blipFill>
+        <p:spPr>
+          <a:xfrm>
+            <a:off x="7709107" y="3331157"/>
+            <a:ext cx="3379440" cy="2673156"/>
+          </a:xfrm>
+          <a:prstGeom prst="rect">
+            <a:avLst/>
+          </a:prstGeom>
+        </p:spPr>
+      </p:pic>
     </p:spTree>
     <p:extLst>
       <p:ext uri="{BB962C8B-B14F-4D97-AF65-F5344CB8AC3E}">
-        <p14:creationId xmlns:p14="http://schemas.microsoft.com/office/powerpoint/2010/main" val="1620279034"/>
+        <p14:creationId xmlns:p14="http://schemas.microsoft.com/office/powerpoint/2010/main" val="3911957932"/>
       </p:ext>
     </p:extLst>
   </p:cSld>
